--- a/Aula03.pptx
+++ b/Aula03.pptx
@@ -21,7 +21,7 @@
     <p:sldId id="286" r:id="rId15"/>
     <p:sldId id="292" r:id="rId16"/>
     <p:sldId id="277" r:id="rId17"/>
-    <p:sldId id="283" r:id="rId18"/>
+    <p:sldId id="293" r:id="rId18"/>
   </p:sldIdLst>
   <p:sldSz cx="9144000" cy="6858000" type="screen4x3"/>
   <p:notesSz cx="6858000" cy="9144000"/>
@@ -296,7 +296,7 @@
           <a:p>
             <a:fld id="{2E700DB3-DBF0-4086-B675-117E7A9610B8}" type="datetimeFigureOut">
               <a:rPr lang="pt-BR" smtClean="0"/>
-              <a:t>09/11/2017</a:t>
+              <a:t>11/11/2017</a:t>
             </a:fld>
             <a:endParaRPr lang="pt-BR"/>
           </a:p>
@@ -461,7 +461,7 @@
           <a:p>
             <a:fld id="{2E700DB3-DBF0-4086-B675-117E7A9610B8}" type="datetimeFigureOut">
               <a:rPr lang="pt-BR" smtClean="0"/>
-              <a:t>09/11/2017</a:t>
+              <a:t>11/11/2017</a:t>
             </a:fld>
             <a:endParaRPr lang="pt-BR"/>
           </a:p>
@@ -636,7 +636,7 @@
           <a:p>
             <a:fld id="{2E700DB3-DBF0-4086-B675-117E7A9610B8}" type="datetimeFigureOut">
               <a:rPr lang="pt-BR" smtClean="0"/>
-              <a:t>09/11/2017</a:t>
+              <a:t>11/11/2017</a:t>
             </a:fld>
             <a:endParaRPr lang="pt-BR"/>
           </a:p>
@@ -801,7 +801,7 @@
           <a:p>
             <a:fld id="{2E700DB3-DBF0-4086-B675-117E7A9610B8}" type="datetimeFigureOut">
               <a:rPr lang="pt-BR" smtClean="0"/>
-              <a:t>09/11/2017</a:t>
+              <a:t>11/11/2017</a:t>
             </a:fld>
             <a:endParaRPr lang="pt-BR"/>
           </a:p>
@@ -1043,7 +1043,7 @@
           <a:p>
             <a:fld id="{2E700DB3-DBF0-4086-B675-117E7A9610B8}" type="datetimeFigureOut">
               <a:rPr lang="pt-BR" smtClean="0"/>
-              <a:t>09/11/2017</a:t>
+              <a:t>11/11/2017</a:t>
             </a:fld>
             <a:endParaRPr lang="pt-BR"/>
           </a:p>
@@ -1307,7 +1307,7 @@
           <a:p>
             <a:fld id="{2E700DB3-DBF0-4086-B675-117E7A9610B8}" type="datetimeFigureOut">
               <a:rPr lang="pt-BR" smtClean="0"/>
-              <a:t>09/11/2017</a:t>
+              <a:t>11/11/2017</a:t>
             </a:fld>
             <a:endParaRPr lang="pt-BR"/>
           </a:p>
@@ -1685,7 +1685,7 @@
           <a:p>
             <a:fld id="{2E700DB3-DBF0-4086-B675-117E7A9610B8}" type="datetimeFigureOut">
               <a:rPr lang="pt-BR" smtClean="0"/>
-              <a:t>09/11/2017</a:t>
+              <a:t>11/11/2017</a:t>
             </a:fld>
             <a:endParaRPr lang="pt-BR"/>
           </a:p>
@@ -1835,7 +1835,7 @@
           <a:p>
             <a:fld id="{2E700DB3-DBF0-4086-B675-117E7A9610B8}" type="datetimeFigureOut">
               <a:rPr lang="pt-BR" smtClean="0"/>
-              <a:t>09/11/2017</a:t>
+              <a:t>11/11/2017</a:t>
             </a:fld>
             <a:endParaRPr lang="pt-BR"/>
           </a:p>
@@ -1925,7 +1925,7 @@
           <a:p>
             <a:fld id="{2E700DB3-DBF0-4086-B675-117E7A9610B8}" type="datetimeFigureOut">
               <a:rPr lang="pt-BR" smtClean="0"/>
-              <a:t>09/11/2017</a:t>
+              <a:t>11/11/2017</a:t>
             </a:fld>
             <a:endParaRPr lang="pt-BR"/>
           </a:p>
@@ -2186,7 +2186,7 @@
           <a:p>
             <a:fld id="{2E700DB3-DBF0-4086-B675-117E7A9610B8}" type="datetimeFigureOut">
               <a:rPr lang="pt-BR" smtClean="0"/>
-              <a:t>09/11/2017</a:t>
+              <a:t>11/11/2017</a:t>
             </a:fld>
             <a:endParaRPr lang="pt-BR"/>
           </a:p>
@@ -2474,7 +2474,7 @@
           <a:p>
             <a:fld id="{2E700DB3-DBF0-4086-B675-117E7A9610B8}" type="datetimeFigureOut">
               <a:rPr lang="pt-BR" smtClean="0"/>
-              <a:t>09/11/2017</a:t>
+              <a:t>11/11/2017</a:t>
             </a:fld>
             <a:endParaRPr lang="pt-BR"/>
           </a:p>
@@ -3245,7 +3245,7 @@
           <a:p>
             <a:fld id="{2E700DB3-DBF0-4086-B675-117E7A9610B8}" type="datetimeFigureOut">
               <a:rPr lang="pt-BR" smtClean="0"/>
-              <a:t>09/11/2017</a:t>
+              <a:t>11/11/2017</a:t>
             </a:fld>
             <a:endParaRPr lang="pt-BR"/>
           </a:p>
@@ -4115,9 +4115,12 @@
             </a:r>
             <a:r>
               <a:rPr lang="pt-BR" dirty="0"/>
-              <a:t> openjdk-9-jre-headless </a:t>
-            </a:r>
-            <a:endParaRPr lang="pt-BR" dirty="0" smtClean="0"/>
+              <a:t> </a:t>
+            </a:r>
+            <a:r>
+              <a:rPr lang="pt-BR" dirty="0" smtClean="0"/>
+              <a:t>openjdk-8-jre-headless </a:t>
+            </a:r>
           </a:p>
           <a:p>
             <a:endParaRPr lang="pt-BR" dirty="0"/>
@@ -4165,17 +4168,24 @@
             <a:pPr lvl="1"/>
             <a:r>
               <a:rPr lang="pt-BR" dirty="0">
+                <a:latin typeface="Arial" panose="020B0604020202020204" pitchFamily="34" charset="0"/>
+                <a:cs typeface="Arial" panose="020B0604020202020204" pitchFamily="34" charset="0"/>
                 <a:hlinkClick r:id="rId3"/>
               </a:rPr>
               <a:t>https://</a:t>
             </a:r>
             <a:r>
               <a:rPr lang="pt-BR" dirty="0" smtClean="0">
+                <a:latin typeface="Arial" panose="020B0604020202020204" pitchFamily="34" charset="0"/>
+                <a:cs typeface="Arial" panose="020B0604020202020204" pitchFamily="34" charset="0"/>
                 <a:hlinkClick r:id="rId3"/>
               </a:rPr>
               <a:t>tomcat.apache.org/download-80.cgi</a:t>
             </a:r>
-            <a:endParaRPr lang="pt-BR" dirty="0" smtClean="0"/>
+            <a:endParaRPr lang="pt-BR" dirty="0" smtClean="0">
+              <a:latin typeface="Arial" panose="020B0604020202020204" pitchFamily="34" charset="0"/>
+              <a:cs typeface="Arial" panose="020B0604020202020204" pitchFamily="34" charset="0"/>
+            </a:endParaRPr>
           </a:p>
           <a:p>
             <a:pPr lvl="1"/>
@@ -4205,7 +4215,6 @@
               <a:rPr lang="pt-BR" dirty="0" smtClean="0"/>
               <a:t>CRUD (CREATE, READ, UPDATE, DELETE);</a:t>
             </a:r>
-            <a:endParaRPr lang="pt-BR" dirty="0" smtClean="0"/>
           </a:p>
           <a:p>
             <a:pPr lvl="1"/>
@@ -4226,6 +4235,13 @@
   <p:clrMapOvr>
     <a:masterClrMapping/>
   </p:clrMapOvr>
+  <p:timing>
+    <p:tnLst>
+      <p:par>
+        <p:cTn id="1" dur="indefinite" restart="never" nodeType="tmRoot"/>
+      </p:par>
+    </p:tnLst>
+  </p:timing>
 </p:sld>
 </file>
 
@@ -4392,6 +4408,13 @@
   <p:clrMapOvr>
     <a:masterClrMapping/>
   </p:clrMapOvr>
+  <p:timing>
+    <p:tnLst>
+      <p:par>
+        <p:cTn id="1" dur="indefinite" restart="never" nodeType="tmRoot"/>
+      </p:par>
+    </p:tnLst>
+  </p:timing>
 </p:sld>
 </file>
 
@@ -4558,6 +4581,13 @@
   <p:clrMapOvr>
     <a:masterClrMapping/>
   </p:clrMapOvr>
+  <p:timing>
+    <p:tnLst>
+      <p:par>
+        <p:cTn id="1" dur="indefinite" restart="never" nodeType="tmRoot"/>
+      </p:par>
+    </p:tnLst>
+  </p:timing>
 </p:sld>
 </file>
 
@@ -4727,11 +4757,7 @@
             </a:r>
             <a:r>
               <a:rPr lang="pt-BR" dirty="0" smtClean="0"/>
-              <a:t>/</a:t>
-            </a:r>
-            <a:r>
-              <a:rPr lang="pt-BR" dirty="0" smtClean="0"/>
-              <a:t>JPA:</a:t>
+              <a:t>/JPA:</a:t>
             </a:r>
           </a:p>
           <a:p>
@@ -4783,6 +4809,13 @@
   <p:clrMapOvr>
     <a:masterClrMapping/>
   </p:clrMapOvr>
+  <p:timing>
+    <p:tnLst>
+      <p:par>
+        <p:cTn id="1" dur="indefinite" restart="never" nodeType="tmRoot"/>
+      </p:par>
+    </p:tnLst>
+  </p:timing>
 </p:sld>
 </file>
 
@@ -4892,6 +4925,13 @@
   <p:clrMapOvr>
     <a:masterClrMapping/>
   </p:clrMapOvr>
+  <p:timing>
+    <p:tnLst>
+      <p:par>
+        <p:cTn id="1" dur="indefinite" restart="never" nodeType="tmRoot"/>
+      </p:par>
+    </p:tnLst>
+  </p:timing>
 </p:sld>
 </file>
 
@@ -5012,6 +5052,13 @@
   <p:clrMapOvr>
     <a:masterClrMapping/>
   </p:clrMapOvr>
+  <p:timing>
+    <p:tnLst>
+      <p:par>
+        <p:cTn id="1" dur="indefinite" restart="never" nodeType="tmRoot"/>
+      </p:par>
+    </p:tnLst>
+  </p:timing>
 </p:sld>
 </file>
 
@@ -5112,8 +5159,12 @@
           <a:p>
             <a:pPr lvl="1"/>
             <a:r>
+              <a:rPr lang="pt-BR" smtClean="0"/>
+              <a:t>{"</a:t>
+            </a:r>
+            <a:r>
               <a:rPr lang="pt-BR" dirty="0"/>
-              <a:t>{    "nome": "Le"}</a:t>
+              <a:t>nome": "Le"}</a:t>
             </a:r>
             <a:endParaRPr lang="pt-BR" dirty="0" smtClean="0"/>
           </a:p>
@@ -5212,6 +5263,13 @@
   <p:clrMapOvr>
     <a:masterClrMapping/>
   </p:clrMapOvr>
+  <p:timing>
+    <p:tnLst>
+      <p:par>
+        <p:cTn id="1" dur="indefinite" restart="never" nodeType="tmRoot"/>
+      </p:par>
+    </p:tnLst>
+  </p:timing>
 </p:sld>
 </file>
 
@@ -5244,12 +5302,14 @@
         </p:nvSpPr>
         <p:spPr/>
         <p:txBody>
-          <a:bodyPr/>
+          <a:bodyPr>
+            <a:normAutofit/>
+          </a:bodyPr>
           <a:lstStyle/>
           <a:p>
             <a:r>
               <a:rPr lang="pt-BR" dirty="0" smtClean="0"/>
-              <a:t>Atividade</a:t>
+              <a:t>Projeto</a:t>
             </a:r>
             <a:endParaRPr lang="pt-BR" dirty="0"/>
           </a:p>
@@ -5267,12 +5327,14 @@
         </p:nvSpPr>
         <p:spPr/>
         <p:txBody>
-          <a:bodyPr/>
+          <a:bodyPr>
+            <a:normAutofit fontScale="85000" lnSpcReduction="20000"/>
+          </a:bodyPr>
           <a:lstStyle/>
           <a:p>
             <a:r>
               <a:rPr lang="pt-BR" dirty="0" smtClean="0"/>
-              <a:t>Modelar e implementar um banco de dados para armazenar as informações adquiridas por um conjunto de sensores;</a:t>
+              <a:t>Projeto do banco de dados;</a:t>
             </a:r>
           </a:p>
           <a:p>
@@ -5281,16 +5343,50 @@
           <a:p>
             <a:r>
               <a:rPr lang="pt-BR" dirty="0" smtClean="0"/>
-              <a:t>Contextualizar o banco de dados para uma aplicação e inserir dados;</a:t>
-            </a:r>
-          </a:p>
-          <a:p>
-            <a:endParaRPr lang="pt-BR" dirty="0" smtClean="0"/>
+              <a:t>Implementar um banco de dados;</a:t>
+            </a:r>
+          </a:p>
+          <a:p>
+            <a:endParaRPr lang="pt-BR" dirty="0"/>
           </a:p>
           <a:p>
             <a:r>
               <a:rPr lang="pt-BR" dirty="0" smtClean="0"/>
-              <a:t>Criar uma aplicação (servidor) para inserir e consumir dados;</a:t>
+              <a:t>Inserir dados;</a:t>
+            </a:r>
+          </a:p>
+          <a:p>
+            <a:endParaRPr lang="pt-BR" dirty="0"/>
+          </a:p>
+          <a:p>
+            <a:r>
+              <a:rPr lang="pt-BR" dirty="0" smtClean="0"/>
+              <a:t>Criar consultas para extrair informações do banco (Fazendo uso de JOIN, HAVING, ...);</a:t>
+            </a:r>
+          </a:p>
+          <a:p>
+            <a:endParaRPr lang="pt-BR" dirty="0"/>
+          </a:p>
+          <a:p>
+            <a:r>
+              <a:rPr lang="pt-BR" dirty="0" smtClean="0"/>
+              <a:t>Aplicação WEB com REST;</a:t>
+            </a:r>
+          </a:p>
+          <a:p>
+            <a:endParaRPr lang="pt-BR" dirty="0"/>
+          </a:p>
+          <a:p>
+            <a:r>
+              <a:rPr lang="pt-BR" dirty="0" smtClean="0"/>
+              <a:t>Apresentação</a:t>
+            </a:r>
+          </a:p>
+          <a:p>
+            <a:pPr lvl="1"/>
+            <a:r>
+              <a:rPr lang="pt-BR" dirty="0" smtClean="0"/>
+              <a:t>Não precisa ser slide.</a:t>
             </a:r>
             <a:endParaRPr lang="pt-BR" dirty="0"/>
           </a:p>
@@ -5299,7 +5395,7 @@
     </p:spTree>
     <p:extLst>
       <p:ext uri="{BB962C8B-B14F-4D97-AF65-F5344CB8AC3E}">
-        <p14:creationId xmlns:p14="http://schemas.microsoft.com/office/powerpoint/2010/main" val="2565981049"/>
+        <p14:creationId xmlns:p14="http://schemas.microsoft.com/office/powerpoint/2010/main" val="3827631562"/>
       </p:ext>
     </p:extLst>
   </p:cSld>
@@ -5493,6 +5589,13 @@
   <p:clrMapOvr>
     <a:masterClrMapping/>
   </p:clrMapOvr>
+  <p:timing>
+    <p:tnLst>
+      <p:par>
+        <p:cTn id="1" dur="indefinite" restart="never" nodeType="tmRoot"/>
+      </p:par>
+    </p:tnLst>
+  </p:timing>
 </p:sld>
 </file>
 
@@ -5601,6 +5704,13 @@
   <p:clrMapOvr>
     <a:masterClrMapping/>
   </p:clrMapOvr>
+  <p:timing>
+    <p:tnLst>
+      <p:par>
+        <p:cTn id="1" dur="indefinite" restart="never" nodeType="tmRoot"/>
+      </p:par>
+    </p:tnLst>
+  </p:timing>
 </p:sld>
 </file>
 
@@ -5694,6 +5804,13 @@
   <p:clrMapOvr>
     <a:masterClrMapping/>
   </p:clrMapOvr>
+  <p:timing>
+    <p:tnLst>
+      <p:par>
+        <p:cTn id="1" dur="indefinite" restart="never" nodeType="tmRoot"/>
+      </p:par>
+    </p:tnLst>
+  </p:timing>
 </p:sld>
 </file>
 
@@ -5772,15 +5889,7 @@
             </a:r>
             <a:r>
               <a:rPr lang="pt-PT" dirty="0" smtClean="0"/>
-              <a:t>e/ou </a:t>
-            </a:r>
-            <a:r>
-              <a:rPr lang="pt-PT" dirty="0" smtClean="0"/>
-              <a:t>estruturas</a:t>
-            </a:r>
-            <a:r>
-              <a:rPr lang="pt-PT" dirty="0" smtClean="0"/>
-              <a:t>;</a:t>
+              <a:t>e/ou estruturas;</a:t>
             </a:r>
           </a:p>
           <a:p>
@@ -6023,7 +6132,6 @@
               <a:rPr lang="pt-BR" dirty="0" smtClean="0"/>
               <a:t>As chamadas de funções são executadas por solicitações HTTP;</a:t>
             </a:r>
-            <a:endParaRPr lang="pt-BR" dirty="0" smtClean="0"/>
           </a:p>
         </p:txBody>
       </p:sp>
@@ -6209,11 +6317,6 @@
               </a:rPr>
               <a:t>Recuperar dados;</a:t>
             </a:r>
-            <a:endParaRPr lang="pt-BR" dirty="0" smtClean="0">
-              <a:solidFill>
-                <a:srgbClr val="FF0000"/>
-              </a:solidFill>
-            </a:endParaRPr>
           </a:p>
           <a:p>
             <a:pPr lvl="2"/>
@@ -6231,15 +6334,7 @@
                   <a:srgbClr val="FF0000"/>
                 </a:solidFill>
               </a:rPr>
-              <a:t>POST</a:t>
-            </a:r>
-            <a:r>
-              <a:rPr lang="pt-BR" dirty="0" smtClean="0">
-                <a:solidFill>
-                  <a:srgbClr val="FF0000"/>
-                </a:solidFill>
-              </a:rPr>
-              <a:t>:</a:t>
+              <a:t>POST:</a:t>
             </a:r>
           </a:p>
           <a:p>
@@ -6252,11 +6347,6 @@
               </a:rPr>
               <a:t>Criar e/ou recuperar dados;</a:t>
             </a:r>
-            <a:endParaRPr lang="pt-BR" dirty="0" smtClean="0">
-              <a:solidFill>
-                <a:srgbClr val="FF0000"/>
-              </a:solidFill>
-            </a:endParaRPr>
           </a:p>
           <a:p>
             <a:pPr lvl="1"/>
@@ -6266,11 +6356,7 @@
             <a:pPr lvl="1"/>
             <a:r>
               <a:rPr lang="pt-BR" dirty="0" smtClean="0"/>
-              <a:t>PUT</a:t>
-            </a:r>
-            <a:r>
-              <a:rPr lang="pt-BR" dirty="0" smtClean="0"/>
-              <a:t>:</a:t>
+              <a:t>PUT:</a:t>
             </a:r>
           </a:p>
           <a:p>
@@ -6279,7 +6365,6 @@
               <a:rPr lang="pt-BR" dirty="0" smtClean="0"/>
               <a:t>Atualizar dados;</a:t>
             </a:r>
-            <a:endParaRPr lang="pt-BR" dirty="0" smtClean="0"/>
           </a:p>
           <a:p>
             <a:pPr lvl="1"/>
@@ -6289,11 +6374,7 @@
             <a:pPr lvl="1"/>
             <a:r>
               <a:rPr lang="pt-BR" dirty="0" smtClean="0"/>
-              <a:t>DELETE</a:t>
-            </a:r>
-            <a:r>
-              <a:rPr lang="pt-BR" dirty="0" smtClean="0"/>
-              <a:t>:</a:t>
+              <a:t>DELETE:</a:t>
             </a:r>
           </a:p>
           <a:p>
@@ -6302,7 +6383,6 @@
               <a:rPr lang="pt-BR" dirty="0" smtClean="0"/>
               <a:t>Remover dados;</a:t>
             </a:r>
-            <a:endParaRPr lang="pt-BR" dirty="0" smtClean="0"/>
           </a:p>
         </p:txBody>
       </p:sp>
@@ -6455,6 +6535,13 @@
   <p:clrMapOvr>
     <a:masterClrMapping/>
   </p:clrMapOvr>
+  <p:timing>
+    <p:tnLst>
+      <p:par>
+        <p:cTn id="1" dur="indefinite" restart="never" nodeType="tmRoot"/>
+      </p:par>
+    </p:tnLst>
+  </p:timing>
 </p:sld>
 </file>
 

--- a/Aula03.pptx
+++ b/Aula03.pptx
@@ -15,13 +15,16 @@
     <p:sldId id="280" r:id="rId9"/>
     <p:sldId id="289" r:id="rId10"/>
     <p:sldId id="274" r:id="rId11"/>
-    <p:sldId id="279" r:id="rId12"/>
-    <p:sldId id="285" r:id="rId13"/>
-    <p:sldId id="278" r:id="rId14"/>
-    <p:sldId id="286" r:id="rId15"/>
-    <p:sldId id="292" r:id="rId16"/>
-    <p:sldId id="277" r:id="rId17"/>
-    <p:sldId id="293" r:id="rId18"/>
+    <p:sldId id="294" r:id="rId12"/>
+    <p:sldId id="295" r:id="rId13"/>
+    <p:sldId id="279" r:id="rId14"/>
+    <p:sldId id="278" r:id="rId15"/>
+    <p:sldId id="296" r:id="rId16"/>
+    <p:sldId id="286" r:id="rId17"/>
+    <p:sldId id="292" r:id="rId18"/>
+    <p:sldId id="277" r:id="rId19"/>
+    <p:sldId id="297" r:id="rId20"/>
+    <p:sldId id="293" r:id="rId21"/>
   </p:sldIdLst>
   <p:sldSz cx="9144000" cy="6858000" type="screen4x3"/>
   <p:notesSz cx="6858000" cy="9144000"/>
@@ -120,6 +123,22 @@
       </a:defRPr>
     </a:lvl9pPr>
   </p:defaultTextStyle>
+  <p:extLst>
+    <p:ext uri="{EFAFB233-063F-42B5-8137-9DF3F51BA10A}">
+      <p15:sldGuideLst xmlns:p15="http://schemas.microsoft.com/office/powerpoint/2012/main">
+        <p15:guide id="1" orient="horz" pos="2160">
+          <p15:clr>
+            <a:srgbClr val="A4A3A4"/>
+          </p15:clr>
+        </p15:guide>
+        <p15:guide id="2" pos="2880">
+          <p15:clr>
+            <a:srgbClr val="A4A3A4"/>
+          </p15:clr>
+        </p15:guide>
+      </p15:sldGuideLst>
+    </p:ext>
+  </p:extLst>
 </p:presentation>
 </file>
 
@@ -211,7 +230,7 @@
           </a:lstStyle>
           <a:p>
             <a:r>
-              <a:rPr kumimoji="0" lang="pt-BR" smtClean="0"/>
+              <a:rPr kumimoji="0" lang="pt-BR"/>
               <a:t>Clique para editar o título mestre</a:t>
             </a:r>
             <a:endParaRPr kumimoji="0" lang="en-US"/>
@@ -272,7 +291,7 @@
           </a:lstStyle>
           <a:p>
             <a:r>
-              <a:rPr kumimoji="0" lang="pt-BR" smtClean="0"/>
+              <a:rPr kumimoji="0" lang="pt-BR"/>
               <a:t>Clique para editar o estilo do subtítulo mestre</a:t>
             </a:r>
             <a:endParaRPr kumimoji="0" lang="en-US"/>
@@ -296,7 +315,7 @@
           <a:p>
             <a:fld id="{2E700DB3-DBF0-4086-B675-117E7A9610B8}" type="datetimeFigureOut">
               <a:rPr lang="pt-BR" smtClean="0"/>
-              <a:t>11/11/2017</a:t>
+              <a:t>19/11/2018</a:t>
             </a:fld>
             <a:endParaRPr lang="pt-BR"/>
           </a:p>
@@ -385,7 +404,7 @@
           <a:lstStyle/>
           <a:p>
             <a:r>
-              <a:rPr kumimoji="0" lang="pt-BR" smtClean="0"/>
+              <a:rPr kumimoji="0" lang="pt-BR"/>
               <a:t>Clique para editar o título mestre</a:t>
             </a:r>
             <a:endParaRPr kumimoji="0" lang="en-US"/>
@@ -409,35 +428,35 @@
           <a:p>
             <a:pPr lvl="0" eaLnBrk="1" latinLnBrk="0" hangingPunct="1"/>
             <a:r>
-              <a:rPr lang="pt-BR" smtClean="0"/>
+              <a:rPr lang="pt-BR"/>
               <a:t>Clique para editar o texto mestre</a:t>
             </a:r>
           </a:p>
           <a:p>
             <a:pPr lvl="1" eaLnBrk="1" latinLnBrk="0" hangingPunct="1"/>
             <a:r>
-              <a:rPr lang="pt-BR" smtClean="0"/>
+              <a:rPr lang="pt-BR"/>
               <a:t>Segundo nível</a:t>
             </a:r>
           </a:p>
           <a:p>
             <a:pPr lvl="2" eaLnBrk="1" latinLnBrk="0" hangingPunct="1"/>
             <a:r>
-              <a:rPr lang="pt-BR" smtClean="0"/>
+              <a:rPr lang="pt-BR"/>
               <a:t>Terceiro nível</a:t>
             </a:r>
           </a:p>
           <a:p>
             <a:pPr lvl="3" eaLnBrk="1" latinLnBrk="0" hangingPunct="1"/>
             <a:r>
-              <a:rPr lang="pt-BR" smtClean="0"/>
+              <a:rPr lang="pt-BR"/>
               <a:t>Quarto nível</a:t>
             </a:r>
           </a:p>
           <a:p>
             <a:pPr lvl="4" eaLnBrk="1" latinLnBrk="0" hangingPunct="1"/>
             <a:r>
-              <a:rPr lang="pt-BR" smtClean="0"/>
+              <a:rPr lang="pt-BR"/>
               <a:t>Quinto nível</a:t>
             </a:r>
             <a:endParaRPr kumimoji="0" lang="en-US"/>
@@ -461,7 +480,7 @@
           <a:p>
             <a:fld id="{2E700DB3-DBF0-4086-B675-117E7A9610B8}" type="datetimeFigureOut">
               <a:rPr lang="pt-BR" smtClean="0"/>
-              <a:t>11/11/2017</a:t>
+              <a:t>19/11/2018</a:t>
             </a:fld>
             <a:endParaRPr lang="pt-BR"/>
           </a:p>
@@ -555,7 +574,7 @@
           <a:lstStyle/>
           <a:p>
             <a:r>
-              <a:rPr kumimoji="0" lang="pt-BR" smtClean="0"/>
+              <a:rPr kumimoji="0" lang="pt-BR"/>
               <a:t>Clique para editar o título mestre</a:t>
             </a:r>
             <a:endParaRPr kumimoji="0" lang="en-US"/>
@@ -584,35 +603,35 @@
           <a:p>
             <a:pPr lvl="0" eaLnBrk="1" latinLnBrk="0" hangingPunct="1"/>
             <a:r>
-              <a:rPr lang="pt-BR" smtClean="0"/>
+              <a:rPr lang="pt-BR"/>
               <a:t>Clique para editar o texto mestre</a:t>
             </a:r>
           </a:p>
           <a:p>
             <a:pPr lvl="1" eaLnBrk="1" latinLnBrk="0" hangingPunct="1"/>
             <a:r>
-              <a:rPr lang="pt-BR" smtClean="0"/>
+              <a:rPr lang="pt-BR"/>
               <a:t>Segundo nível</a:t>
             </a:r>
           </a:p>
           <a:p>
             <a:pPr lvl="2" eaLnBrk="1" latinLnBrk="0" hangingPunct="1"/>
             <a:r>
-              <a:rPr lang="pt-BR" smtClean="0"/>
+              <a:rPr lang="pt-BR"/>
               <a:t>Terceiro nível</a:t>
             </a:r>
           </a:p>
           <a:p>
             <a:pPr lvl="3" eaLnBrk="1" latinLnBrk="0" hangingPunct="1"/>
             <a:r>
-              <a:rPr lang="pt-BR" smtClean="0"/>
+              <a:rPr lang="pt-BR"/>
               <a:t>Quarto nível</a:t>
             </a:r>
           </a:p>
           <a:p>
             <a:pPr lvl="4" eaLnBrk="1" latinLnBrk="0" hangingPunct="1"/>
             <a:r>
-              <a:rPr lang="pt-BR" smtClean="0"/>
+              <a:rPr lang="pt-BR"/>
               <a:t>Quinto nível</a:t>
             </a:r>
             <a:endParaRPr kumimoji="0" lang="en-US"/>
@@ -636,7 +655,7 @@
           <a:p>
             <a:fld id="{2E700DB3-DBF0-4086-B675-117E7A9610B8}" type="datetimeFigureOut">
               <a:rPr lang="pt-BR" smtClean="0"/>
-              <a:t>11/11/2017</a:t>
+              <a:t>19/11/2018</a:t>
             </a:fld>
             <a:endParaRPr lang="pt-BR"/>
           </a:p>
@@ -725,7 +744,7 @@
           <a:lstStyle/>
           <a:p>
             <a:r>
-              <a:rPr kumimoji="0" lang="pt-BR" smtClean="0"/>
+              <a:rPr kumimoji="0" lang="pt-BR"/>
               <a:t>Clique para editar o título mestre</a:t>
             </a:r>
             <a:endParaRPr kumimoji="0" lang="en-US"/>
@@ -749,35 +768,35 @@
           <a:p>
             <a:pPr lvl="0" eaLnBrk="1" latinLnBrk="0" hangingPunct="1"/>
             <a:r>
-              <a:rPr lang="pt-BR" smtClean="0"/>
+              <a:rPr lang="pt-BR"/>
               <a:t>Clique para editar o texto mestre</a:t>
             </a:r>
           </a:p>
           <a:p>
             <a:pPr lvl="1" eaLnBrk="1" latinLnBrk="0" hangingPunct="1"/>
             <a:r>
-              <a:rPr lang="pt-BR" smtClean="0"/>
+              <a:rPr lang="pt-BR"/>
               <a:t>Segundo nível</a:t>
             </a:r>
           </a:p>
           <a:p>
             <a:pPr lvl="2" eaLnBrk="1" latinLnBrk="0" hangingPunct="1"/>
             <a:r>
-              <a:rPr lang="pt-BR" smtClean="0"/>
+              <a:rPr lang="pt-BR"/>
               <a:t>Terceiro nível</a:t>
             </a:r>
           </a:p>
           <a:p>
             <a:pPr lvl="3" eaLnBrk="1" latinLnBrk="0" hangingPunct="1"/>
             <a:r>
-              <a:rPr lang="pt-BR" smtClean="0"/>
+              <a:rPr lang="pt-BR"/>
               <a:t>Quarto nível</a:t>
             </a:r>
           </a:p>
           <a:p>
             <a:pPr lvl="4" eaLnBrk="1" latinLnBrk="0" hangingPunct="1"/>
             <a:r>
-              <a:rPr lang="pt-BR" smtClean="0"/>
+              <a:rPr lang="pt-BR"/>
               <a:t>Quinto nível</a:t>
             </a:r>
             <a:endParaRPr kumimoji="0" lang="en-US"/>
@@ -801,7 +820,7 @@
           <a:p>
             <a:fld id="{2E700DB3-DBF0-4086-B675-117E7A9610B8}" type="datetimeFigureOut">
               <a:rPr lang="pt-BR" smtClean="0"/>
-              <a:t>11/11/2017</a:t>
+              <a:t>19/11/2018</a:t>
             </a:fld>
             <a:endParaRPr lang="pt-BR"/>
           </a:p>
@@ -942,7 +961,7 @@
           </a:lstStyle>
           <a:p>
             <a:r>
-              <a:rPr kumimoji="0" lang="pt-BR" smtClean="0"/>
+              <a:rPr kumimoji="0" lang="pt-BR"/>
               <a:t>Clique para editar o título mestre</a:t>
             </a:r>
             <a:endParaRPr kumimoji="0" lang="en-US"/>
@@ -1020,7 +1039,7 @@
           <a:p>
             <a:pPr lvl="0" eaLnBrk="1" latinLnBrk="0" hangingPunct="1"/>
             <a:r>
-              <a:rPr kumimoji="0" lang="pt-BR" smtClean="0"/>
+              <a:rPr kumimoji="0" lang="pt-BR"/>
               <a:t>Clique para editar o texto mestre</a:t>
             </a:r>
           </a:p>
@@ -1043,7 +1062,7 @@
           <a:p>
             <a:fld id="{2E700DB3-DBF0-4086-B675-117E7A9610B8}" type="datetimeFigureOut">
               <a:rPr lang="pt-BR" smtClean="0"/>
-              <a:t>11/11/2017</a:t>
+              <a:t>19/11/2018</a:t>
             </a:fld>
             <a:endParaRPr lang="pt-BR"/>
           </a:p>
@@ -1137,7 +1156,7 @@
           <a:lstStyle/>
           <a:p>
             <a:r>
-              <a:rPr kumimoji="0" lang="pt-BR" smtClean="0"/>
+              <a:rPr kumimoji="0" lang="pt-BR"/>
               <a:t>Clique para editar o título mestre</a:t>
             </a:r>
             <a:endParaRPr kumimoji="0" lang="en-US"/>
@@ -1182,35 +1201,35 @@
           <a:p>
             <a:pPr lvl="0" eaLnBrk="1" latinLnBrk="0" hangingPunct="1"/>
             <a:r>
-              <a:rPr lang="pt-BR" smtClean="0"/>
+              <a:rPr lang="pt-BR"/>
               <a:t>Clique para editar o texto mestre</a:t>
             </a:r>
           </a:p>
           <a:p>
             <a:pPr lvl="1" eaLnBrk="1" latinLnBrk="0" hangingPunct="1"/>
             <a:r>
-              <a:rPr lang="pt-BR" smtClean="0"/>
+              <a:rPr lang="pt-BR"/>
               <a:t>Segundo nível</a:t>
             </a:r>
           </a:p>
           <a:p>
             <a:pPr lvl="2" eaLnBrk="1" latinLnBrk="0" hangingPunct="1"/>
             <a:r>
-              <a:rPr lang="pt-BR" smtClean="0"/>
+              <a:rPr lang="pt-BR"/>
               <a:t>Terceiro nível</a:t>
             </a:r>
           </a:p>
           <a:p>
             <a:pPr lvl="3" eaLnBrk="1" latinLnBrk="0" hangingPunct="1"/>
             <a:r>
-              <a:rPr lang="pt-BR" smtClean="0"/>
+              <a:rPr lang="pt-BR"/>
               <a:t>Quarto nível</a:t>
             </a:r>
           </a:p>
           <a:p>
             <a:pPr lvl="4" eaLnBrk="1" latinLnBrk="0" hangingPunct="1"/>
             <a:r>
-              <a:rPr lang="pt-BR" smtClean="0"/>
+              <a:rPr lang="pt-BR"/>
               <a:t>Quinto nível</a:t>
             </a:r>
             <a:endParaRPr kumimoji="0" lang="en-US"/>
@@ -1255,35 +1274,35 @@
           <a:p>
             <a:pPr lvl="0" eaLnBrk="1" latinLnBrk="0" hangingPunct="1"/>
             <a:r>
-              <a:rPr lang="pt-BR" smtClean="0"/>
+              <a:rPr lang="pt-BR"/>
               <a:t>Clique para editar o texto mestre</a:t>
             </a:r>
           </a:p>
           <a:p>
             <a:pPr lvl="1" eaLnBrk="1" latinLnBrk="0" hangingPunct="1"/>
             <a:r>
-              <a:rPr lang="pt-BR" smtClean="0"/>
+              <a:rPr lang="pt-BR"/>
               <a:t>Segundo nível</a:t>
             </a:r>
           </a:p>
           <a:p>
             <a:pPr lvl="2" eaLnBrk="1" latinLnBrk="0" hangingPunct="1"/>
             <a:r>
-              <a:rPr lang="pt-BR" smtClean="0"/>
+              <a:rPr lang="pt-BR"/>
               <a:t>Terceiro nível</a:t>
             </a:r>
           </a:p>
           <a:p>
             <a:pPr lvl="3" eaLnBrk="1" latinLnBrk="0" hangingPunct="1"/>
             <a:r>
-              <a:rPr lang="pt-BR" smtClean="0"/>
+              <a:rPr lang="pt-BR"/>
               <a:t>Quarto nível</a:t>
             </a:r>
           </a:p>
           <a:p>
             <a:pPr lvl="4" eaLnBrk="1" latinLnBrk="0" hangingPunct="1"/>
             <a:r>
-              <a:rPr lang="pt-BR" smtClean="0"/>
+              <a:rPr lang="pt-BR"/>
               <a:t>Quinto nível</a:t>
             </a:r>
             <a:endParaRPr kumimoji="0" lang="en-US"/>
@@ -1307,7 +1326,7 @@
           <a:p>
             <a:fld id="{2E700DB3-DBF0-4086-B675-117E7A9610B8}" type="datetimeFigureOut">
               <a:rPr lang="pt-BR" smtClean="0"/>
-              <a:t>11/11/2017</a:t>
+              <a:t>19/11/2018</a:t>
             </a:fld>
             <a:endParaRPr lang="pt-BR"/>
           </a:p>
@@ -1405,7 +1424,7 @@
           </a:lstStyle>
           <a:p>
             <a:r>
-              <a:rPr kumimoji="0" lang="pt-BR" smtClean="0"/>
+              <a:rPr kumimoji="0" lang="pt-BR"/>
               <a:t>Clique para editar o título mestre</a:t>
             </a:r>
             <a:endParaRPr kumimoji="0" lang="en-US"/>
@@ -1462,7 +1481,7 @@
           <a:p>
             <a:pPr lvl="0" eaLnBrk="1" latinLnBrk="0" hangingPunct="1"/>
             <a:r>
-              <a:rPr kumimoji="0" lang="pt-BR" smtClean="0"/>
+              <a:rPr kumimoji="0" lang="pt-BR"/>
               <a:t>Clique para editar o texto mestre</a:t>
             </a:r>
           </a:p>
@@ -1516,7 +1535,7 @@
           <a:p>
             <a:pPr lvl="0" eaLnBrk="1" latinLnBrk="0" hangingPunct="1"/>
             <a:r>
-              <a:rPr kumimoji="0" lang="pt-BR" smtClean="0"/>
+              <a:rPr kumimoji="0" lang="pt-BR"/>
               <a:t>Clique para editar o texto mestre</a:t>
             </a:r>
           </a:p>
@@ -1560,35 +1579,35 @@
           <a:p>
             <a:pPr lvl="0" eaLnBrk="1" latinLnBrk="0" hangingPunct="1"/>
             <a:r>
-              <a:rPr lang="pt-BR" smtClean="0"/>
+              <a:rPr lang="pt-BR"/>
               <a:t>Clique para editar o texto mestre</a:t>
             </a:r>
           </a:p>
           <a:p>
             <a:pPr lvl="1" eaLnBrk="1" latinLnBrk="0" hangingPunct="1"/>
             <a:r>
-              <a:rPr lang="pt-BR" smtClean="0"/>
+              <a:rPr lang="pt-BR"/>
               <a:t>Segundo nível</a:t>
             </a:r>
           </a:p>
           <a:p>
             <a:pPr lvl="2" eaLnBrk="1" latinLnBrk="0" hangingPunct="1"/>
             <a:r>
-              <a:rPr lang="pt-BR" smtClean="0"/>
+              <a:rPr lang="pt-BR"/>
               <a:t>Terceiro nível</a:t>
             </a:r>
           </a:p>
           <a:p>
             <a:pPr lvl="3" eaLnBrk="1" latinLnBrk="0" hangingPunct="1"/>
             <a:r>
-              <a:rPr lang="pt-BR" smtClean="0"/>
+              <a:rPr lang="pt-BR"/>
               <a:t>Quarto nível</a:t>
             </a:r>
           </a:p>
           <a:p>
             <a:pPr lvl="4" eaLnBrk="1" latinLnBrk="0" hangingPunct="1"/>
             <a:r>
-              <a:rPr lang="pt-BR" smtClean="0"/>
+              <a:rPr lang="pt-BR"/>
               <a:t>Quinto nível</a:t>
             </a:r>
             <a:endParaRPr kumimoji="0" lang="en-US"/>
@@ -1633,35 +1652,35 @@
           <a:p>
             <a:pPr lvl="0" eaLnBrk="1" latinLnBrk="0" hangingPunct="1"/>
             <a:r>
-              <a:rPr lang="pt-BR" smtClean="0"/>
+              <a:rPr lang="pt-BR"/>
               <a:t>Clique para editar o texto mestre</a:t>
             </a:r>
           </a:p>
           <a:p>
             <a:pPr lvl="1" eaLnBrk="1" latinLnBrk="0" hangingPunct="1"/>
             <a:r>
-              <a:rPr lang="pt-BR" smtClean="0"/>
+              <a:rPr lang="pt-BR"/>
               <a:t>Segundo nível</a:t>
             </a:r>
           </a:p>
           <a:p>
             <a:pPr lvl="2" eaLnBrk="1" latinLnBrk="0" hangingPunct="1"/>
             <a:r>
-              <a:rPr lang="pt-BR" smtClean="0"/>
+              <a:rPr lang="pt-BR"/>
               <a:t>Terceiro nível</a:t>
             </a:r>
           </a:p>
           <a:p>
             <a:pPr lvl="3" eaLnBrk="1" latinLnBrk="0" hangingPunct="1"/>
             <a:r>
-              <a:rPr lang="pt-BR" smtClean="0"/>
+              <a:rPr lang="pt-BR"/>
               <a:t>Quarto nível</a:t>
             </a:r>
           </a:p>
           <a:p>
             <a:pPr lvl="4" eaLnBrk="1" latinLnBrk="0" hangingPunct="1"/>
             <a:r>
-              <a:rPr lang="pt-BR" smtClean="0"/>
+              <a:rPr lang="pt-BR"/>
               <a:t>Quinto nível</a:t>
             </a:r>
             <a:endParaRPr kumimoji="0" lang="en-US"/>
@@ -1685,7 +1704,7 @@
           <a:p>
             <a:fld id="{2E700DB3-DBF0-4086-B675-117E7A9610B8}" type="datetimeFigureOut">
               <a:rPr lang="pt-BR" smtClean="0"/>
-              <a:t>11/11/2017</a:t>
+              <a:t>19/11/2018</a:t>
             </a:fld>
             <a:endParaRPr lang="pt-BR"/>
           </a:p>
@@ -1811,7 +1830,7 @@
           </a:lstStyle>
           <a:p>
             <a:r>
-              <a:rPr kumimoji="0" lang="pt-BR" smtClean="0"/>
+              <a:rPr kumimoji="0" lang="pt-BR"/>
               <a:t>Clique para editar o título mestre</a:t>
             </a:r>
             <a:endParaRPr kumimoji="0" lang="en-US"/>
@@ -1835,7 +1854,7 @@
           <a:p>
             <a:fld id="{2E700DB3-DBF0-4086-B675-117E7A9610B8}" type="datetimeFigureOut">
               <a:rPr lang="pt-BR" smtClean="0"/>
-              <a:t>11/11/2017</a:t>
+              <a:t>19/11/2018</a:t>
             </a:fld>
             <a:endParaRPr lang="pt-BR"/>
           </a:p>
@@ -1925,7 +1944,7 @@
           <a:p>
             <a:fld id="{2E700DB3-DBF0-4086-B675-117E7A9610B8}" type="datetimeFigureOut">
               <a:rPr lang="pt-BR" smtClean="0"/>
-              <a:t>11/11/2017</a:t>
+              <a:t>19/11/2018</a:t>
             </a:fld>
             <a:endParaRPr lang="pt-BR"/>
           </a:p>
@@ -2040,7 +2059,7 @@
           </a:lstStyle>
           <a:p>
             <a:r>
-              <a:rPr kumimoji="0" lang="pt-BR" smtClean="0"/>
+              <a:rPr kumimoji="0" lang="pt-BR"/>
               <a:t>Clique para editar o título mestre</a:t>
             </a:r>
             <a:endParaRPr kumimoji="0" lang="en-US"/>
@@ -2090,7 +2109,7 @@
           <a:p>
             <a:pPr lvl="0" eaLnBrk="1" latinLnBrk="0" hangingPunct="1"/>
             <a:r>
-              <a:rPr kumimoji="0" lang="pt-BR" smtClean="0"/>
+              <a:rPr kumimoji="0" lang="pt-BR"/>
               <a:t>Clique para editar o texto mestre</a:t>
             </a:r>
           </a:p>
@@ -2134,35 +2153,35 @@
           <a:p>
             <a:pPr lvl="0" eaLnBrk="1" latinLnBrk="0" hangingPunct="1"/>
             <a:r>
-              <a:rPr lang="pt-BR" smtClean="0"/>
+              <a:rPr lang="pt-BR"/>
               <a:t>Clique para editar o texto mestre</a:t>
             </a:r>
           </a:p>
           <a:p>
             <a:pPr lvl="1" eaLnBrk="1" latinLnBrk="0" hangingPunct="1"/>
             <a:r>
-              <a:rPr lang="pt-BR" smtClean="0"/>
+              <a:rPr lang="pt-BR"/>
               <a:t>Segundo nível</a:t>
             </a:r>
           </a:p>
           <a:p>
             <a:pPr lvl="2" eaLnBrk="1" latinLnBrk="0" hangingPunct="1"/>
             <a:r>
-              <a:rPr lang="pt-BR" smtClean="0"/>
+              <a:rPr lang="pt-BR"/>
               <a:t>Terceiro nível</a:t>
             </a:r>
           </a:p>
           <a:p>
             <a:pPr lvl="3" eaLnBrk="1" latinLnBrk="0" hangingPunct="1"/>
             <a:r>
-              <a:rPr lang="pt-BR" smtClean="0"/>
+              <a:rPr lang="pt-BR"/>
               <a:t>Quarto nível</a:t>
             </a:r>
           </a:p>
           <a:p>
             <a:pPr lvl="4" eaLnBrk="1" latinLnBrk="0" hangingPunct="1"/>
             <a:r>
-              <a:rPr lang="pt-BR" smtClean="0"/>
+              <a:rPr lang="pt-BR"/>
               <a:t>Quinto nível</a:t>
             </a:r>
             <a:endParaRPr kumimoji="0" lang="en-US"/>
@@ -2186,7 +2205,7 @@
           <a:p>
             <a:fld id="{2E700DB3-DBF0-4086-B675-117E7A9610B8}" type="datetimeFigureOut">
               <a:rPr lang="pt-BR" smtClean="0"/>
-              <a:t>11/11/2017</a:t>
+              <a:t>19/11/2018</a:t>
             </a:fld>
             <a:endParaRPr lang="pt-BR"/>
           </a:p>
@@ -2401,7 +2420,7 @@
           </a:lstStyle>
           <a:p>
             <a:r>
-              <a:rPr kumimoji="0" lang="pt-BR" smtClean="0"/>
+              <a:rPr kumimoji="0" lang="pt-BR"/>
               <a:t>Clique para editar o título mestre</a:t>
             </a:r>
             <a:endParaRPr kumimoji="0" lang="en-US"/>
@@ -2451,7 +2470,7 @@
           <a:p>
             <a:pPr lvl="0" eaLnBrk="1" latinLnBrk="0" hangingPunct="1"/>
             <a:r>
-              <a:rPr kumimoji="0" lang="pt-BR" smtClean="0"/>
+              <a:rPr kumimoji="0" lang="pt-BR"/>
               <a:t>Clique para editar o texto mestre</a:t>
             </a:r>
           </a:p>
@@ -2474,7 +2493,7 @@
           <a:p>
             <a:fld id="{2E700DB3-DBF0-4086-B675-117E7A9610B8}" type="datetimeFigureOut">
               <a:rPr lang="pt-BR" smtClean="0"/>
-              <a:t>11/11/2017</a:t>
+              <a:t>19/11/2018</a:t>
             </a:fld>
             <a:endParaRPr lang="pt-BR"/>
           </a:p>
@@ -2566,7 +2585,7 @@
           </a:lstStyle>
           <a:p>
             <a:r>
-              <a:rPr kumimoji="0" lang="pt-BR" smtClean="0"/>
+              <a:rPr kumimoji="0" lang="pt-BR"/>
               <a:t>Clique no ícone para adicionar uma imagem</a:t>
             </a:r>
             <a:endParaRPr kumimoji="0" lang="en-US" dirty="0"/>
@@ -3141,7 +3160,7 @@
           <a:lstStyle/>
           <a:p>
             <a:r>
-              <a:rPr kumimoji="0" lang="pt-BR" smtClean="0"/>
+              <a:rPr kumimoji="0" lang="pt-BR"/>
               <a:t>Clique para editar o título mestre</a:t>
             </a:r>
             <a:endParaRPr kumimoji="0" lang="en-US"/>
@@ -3175,35 +3194,35 @@
           <a:p>
             <a:pPr lvl="0" eaLnBrk="1" latinLnBrk="0" hangingPunct="1"/>
             <a:r>
-              <a:rPr kumimoji="0" lang="pt-BR" smtClean="0"/>
+              <a:rPr kumimoji="0" lang="pt-BR"/>
               <a:t>Clique para editar o texto mestre</a:t>
             </a:r>
           </a:p>
           <a:p>
             <a:pPr lvl="1" eaLnBrk="1" latinLnBrk="0" hangingPunct="1"/>
             <a:r>
-              <a:rPr kumimoji="0" lang="pt-BR" smtClean="0"/>
+              <a:rPr kumimoji="0" lang="pt-BR"/>
               <a:t>Segundo nível</a:t>
             </a:r>
           </a:p>
           <a:p>
             <a:pPr lvl="2" eaLnBrk="1" latinLnBrk="0" hangingPunct="1"/>
             <a:r>
-              <a:rPr kumimoji="0" lang="pt-BR" smtClean="0"/>
+              <a:rPr kumimoji="0" lang="pt-BR"/>
               <a:t>Terceiro nível</a:t>
             </a:r>
           </a:p>
           <a:p>
             <a:pPr lvl="3" eaLnBrk="1" latinLnBrk="0" hangingPunct="1"/>
             <a:r>
-              <a:rPr kumimoji="0" lang="pt-BR" smtClean="0"/>
+              <a:rPr kumimoji="0" lang="pt-BR"/>
               <a:t>Quarto nível</a:t>
             </a:r>
           </a:p>
           <a:p>
             <a:pPr lvl="4" eaLnBrk="1" latinLnBrk="0" hangingPunct="1"/>
             <a:r>
-              <a:rPr kumimoji="0" lang="pt-BR" smtClean="0"/>
+              <a:rPr kumimoji="0" lang="pt-BR"/>
               <a:t>Quinto nível</a:t>
             </a:r>
             <a:endParaRPr kumimoji="0" lang="en-US"/>
@@ -3245,7 +3264,7 @@
           <a:p>
             <a:fld id="{2E700DB3-DBF0-4086-B675-117E7A9610B8}" type="datetimeFigureOut">
               <a:rPr lang="pt-BR" smtClean="0"/>
-              <a:t>11/11/2017</a:t>
+              <a:t>19/11/2018</a:t>
             </a:fld>
             <a:endParaRPr lang="pt-BR"/>
           </a:p>
@@ -3879,10 +3898,9 @@
           <a:lstStyle/>
           <a:p>
             <a:r>
-              <a:rPr lang="pt-BR" dirty="0" smtClean="0"/>
+              <a:rPr lang="pt-BR" dirty="0"/>
               <a:t>Banco de Dados</a:t>
             </a:r>
-            <a:endParaRPr lang="pt-BR" dirty="0"/>
           </a:p>
         </p:txBody>
       </p:sp>
@@ -3909,35 +3927,35 @@
           <a:lstStyle/>
           <a:p>
             <a:r>
-              <a:rPr lang="pt-BR" dirty="0" smtClean="0"/>
+              <a:rPr lang="pt-BR" dirty="0"/>
               <a:t>Curso de Especialização em Internet das Coisas</a:t>
             </a:r>
           </a:p>
           <a:p>
-            <a:endParaRPr lang="pt-BR" dirty="0" smtClean="0"/>
-          </a:p>
-          <a:p>
-            <a:r>
-              <a:rPr lang="pt-BR" dirty="0" smtClean="0"/>
+            <a:endParaRPr lang="pt-BR" dirty="0"/>
+          </a:p>
+          <a:p>
+            <a:r>
+              <a:rPr lang="pt-BR" dirty="0"/>
               <a:t>Leonardo </a:t>
             </a:r>
             <a:r>
-              <a:rPr lang="pt-BR" dirty="0" err="1" smtClean="0"/>
+              <a:rPr lang="pt-BR" dirty="0" err="1"/>
               <a:t>Faix</a:t>
             </a:r>
             <a:r>
-              <a:rPr lang="pt-BR" dirty="0" smtClean="0"/>
+              <a:rPr lang="pt-BR" dirty="0"/>
               <a:t> </a:t>
             </a:r>
             <a:r>
-              <a:rPr lang="pt-BR" dirty="0" err="1" smtClean="0"/>
+              <a:rPr lang="pt-BR" dirty="0" err="1"/>
               <a:t>Pordeus</a:t>
             </a:r>
-            <a:endParaRPr lang="pt-BR" dirty="0" smtClean="0"/>
-          </a:p>
-          <a:p>
-            <a:r>
-              <a:rPr lang="pt-BR" dirty="0" smtClean="0"/>
+            <a:endParaRPr lang="pt-BR" dirty="0"/>
+          </a:p>
+          <a:p>
+            <a:r>
+              <a:rPr lang="pt-BR" dirty="0"/>
               <a:t>leonardopordeus@gmail.com</a:t>
             </a:r>
           </a:p>
@@ -3945,21 +3963,21 @@
             <a:endParaRPr lang="pt-BR" dirty="0"/>
           </a:p>
           <a:p>
-            <a:endParaRPr lang="pt-BR" dirty="0" smtClean="0"/>
-          </a:p>
-          <a:p>
             <a:endParaRPr lang="pt-BR" dirty="0"/>
           </a:p>
           <a:p>
-            <a:endParaRPr lang="pt-BR" dirty="0" smtClean="0"/>
-          </a:p>
-          <a:p>
             <a:endParaRPr lang="pt-BR" dirty="0"/>
           </a:p>
           <a:p>
+            <a:endParaRPr lang="pt-BR" dirty="0"/>
+          </a:p>
+          <a:p>
+            <a:endParaRPr lang="pt-BR" dirty="0"/>
+          </a:p>
+          <a:p>
             <a:pPr algn="ctr"/>
             <a:r>
-              <a:rPr lang="pt-BR" dirty="0" smtClean="0"/>
+              <a:rPr lang="pt-BR" dirty="0"/>
               <a:t>2017</a:t>
             </a:r>
           </a:p>
@@ -4019,13 +4037,6 @@
   <p:clrMapOvr>
     <a:masterClrMapping/>
   </p:clrMapOvr>
-  <p:timing>
-    <p:tnLst>
-      <p:par>
-        <p:cTn id="1" dur="indefinite" restart="never" nodeType="tmRoot"/>
-      </p:par>
-    </p:tnLst>
-  </p:timing>
 </p:sld>
 </file>
 
@@ -4062,10 +4073,9 @@
           <a:lstStyle/>
           <a:p>
             <a:r>
-              <a:rPr lang="pt-BR" dirty="0" smtClean="0"/>
+              <a:rPr lang="pt-BR" dirty="0"/>
               <a:t>Java</a:t>
             </a:r>
-            <a:endParaRPr lang="pt-BR" dirty="0"/>
           </a:p>
         </p:txBody>
       </p:sp>
@@ -4087,18 +4097,18 @@
           <a:lstStyle/>
           <a:p>
             <a:r>
-              <a:rPr lang="pt-BR" dirty="0" smtClean="0"/>
+              <a:rPr lang="pt-BR" dirty="0"/>
               <a:t>Instalar Java:</a:t>
             </a:r>
           </a:p>
           <a:p>
             <a:pPr lvl="1"/>
             <a:r>
-              <a:rPr lang="pt-BR" dirty="0" err="1" smtClean="0"/>
+              <a:rPr lang="pt-BR" dirty="0" err="1"/>
               <a:t>sudo</a:t>
             </a:r>
             <a:r>
-              <a:rPr lang="pt-BR" dirty="0" smtClean="0"/>
+              <a:rPr lang="pt-BR" dirty="0"/>
               <a:t> </a:t>
             </a:r>
             <a:r>
@@ -4115,11 +4125,7 @@
             </a:r>
             <a:r>
               <a:rPr lang="pt-BR" dirty="0"/>
-              <a:t> </a:t>
-            </a:r>
-            <a:r>
-              <a:rPr lang="pt-BR" dirty="0" smtClean="0"/>
-              <a:t>openjdk-8-jre-headless </a:t>
+              <a:t> openjdk-8-jre-headless </a:t>
             </a:r>
           </a:p>
           <a:p>
@@ -4127,7 +4133,7 @@
           </a:p>
           <a:p>
             <a:r>
-              <a:rPr lang="pt-BR" dirty="0" smtClean="0"/>
+              <a:rPr lang="pt-BR" dirty="0"/>
               <a:t>Eclipse JEE:</a:t>
             </a:r>
           </a:p>
@@ -4137,30 +4143,24 @@
               <a:rPr lang="pt-BR" dirty="0">
                 <a:hlinkClick r:id="rId2"/>
               </a:rPr>
-              <a:t>http://www.eclipse.org</a:t>
-            </a:r>
-            <a:r>
-              <a:rPr lang="pt-BR" dirty="0" smtClean="0">
-                <a:hlinkClick r:id="rId2"/>
-              </a:rPr>
-              <a:t>/</a:t>
-            </a:r>
-            <a:endParaRPr lang="pt-BR" dirty="0" smtClean="0"/>
-          </a:p>
-          <a:p>
+              <a:t>http://www.eclipse.org/</a:t>
+            </a:r>
             <a:endParaRPr lang="pt-BR" dirty="0"/>
           </a:p>
           <a:p>
-            <a:r>
-              <a:rPr lang="pt-BR" dirty="0" smtClean="0"/>
+            <a:endParaRPr lang="pt-BR" dirty="0"/>
+          </a:p>
+          <a:p>
+            <a:r>
+              <a:rPr lang="pt-BR" dirty="0"/>
               <a:t>Servidor de Aplicação </a:t>
             </a:r>
             <a:r>
-              <a:rPr lang="pt-BR" dirty="0" err="1" smtClean="0"/>
+              <a:rPr lang="pt-BR" dirty="0" err="1"/>
               <a:t>Tomcat</a:t>
             </a:r>
             <a:r>
-              <a:rPr lang="pt-BR" dirty="0" smtClean="0"/>
+              <a:rPr lang="pt-BR" dirty="0"/>
               <a:t>:</a:t>
             </a:r>
           </a:p>
@@ -4172,17 +4172,9 @@
                 <a:cs typeface="Arial" panose="020B0604020202020204" pitchFamily="34" charset="0"/>
                 <a:hlinkClick r:id="rId3"/>
               </a:rPr>
-              <a:t>https://</a:t>
-            </a:r>
-            <a:r>
-              <a:rPr lang="pt-BR" dirty="0" smtClean="0">
-                <a:latin typeface="Arial" panose="020B0604020202020204" pitchFamily="34" charset="0"/>
-                <a:cs typeface="Arial" panose="020B0604020202020204" pitchFamily="34" charset="0"/>
-                <a:hlinkClick r:id="rId3"/>
-              </a:rPr>
-              <a:t>tomcat.apache.org/download-80.cgi</a:t>
-            </a:r>
-            <a:endParaRPr lang="pt-BR" dirty="0" smtClean="0">
+              <a:t>https://tomcat.apache.org/download-80.cgi</a:t>
+            </a:r>
+            <a:endParaRPr lang="pt-BR" dirty="0">
               <a:latin typeface="Arial" panose="020B0604020202020204" pitchFamily="34" charset="0"/>
               <a:cs typeface="Arial" panose="020B0604020202020204" pitchFamily="34" charset="0"/>
             </a:endParaRPr>
@@ -4193,26 +4185,26 @@
           </a:p>
           <a:p>
             <a:r>
-              <a:rPr lang="pt-BR" dirty="0" err="1" smtClean="0"/>
+              <a:rPr lang="pt-BR" dirty="0" err="1"/>
               <a:t>Template</a:t>
             </a:r>
             <a:r>
-              <a:rPr lang="pt-BR" dirty="0" smtClean="0"/>
+              <a:rPr lang="pt-BR" dirty="0"/>
               <a:t> disponível no </a:t>
             </a:r>
             <a:r>
-              <a:rPr lang="pt-BR" dirty="0" err="1" smtClean="0"/>
+              <a:rPr lang="pt-BR" dirty="0" err="1"/>
               <a:t>github</a:t>
             </a:r>
             <a:r>
-              <a:rPr lang="pt-BR" dirty="0" smtClean="0"/>
+              <a:rPr lang="pt-BR" dirty="0"/>
               <a:t>;</a:t>
             </a:r>
           </a:p>
           <a:p>
             <a:pPr lvl="1"/>
             <a:r>
-              <a:rPr lang="pt-BR" dirty="0" smtClean="0"/>
+              <a:rPr lang="pt-BR" dirty="0"/>
               <a:t>CRUD (CREATE, READ, UPDATE, DELETE);</a:t>
             </a:r>
           </a:p>
@@ -4235,13 +4227,6 @@
   <p:clrMapOvr>
     <a:masterClrMapping/>
   </p:clrMapOvr>
-  <p:timing>
-    <p:tnLst>
-      <p:par>
-        <p:cTn id="1" dur="indefinite" restart="never" nodeType="tmRoot"/>
-      </p:par>
-    </p:tnLst>
-  </p:timing>
 </p:sld>
 </file>
 
@@ -4264,7 +4249,13 @@
       </p:grpSpPr>
       <p:sp>
         <p:nvSpPr>
-          <p:cNvPr id="2" name="Título 1"/>
+          <p:cNvPr id="2" name="Título 1">
+            <a:extLst>
+              <a:ext uri="{FF2B5EF4-FFF2-40B4-BE49-F238E27FC236}">
+                <a16:creationId xmlns:a16="http://schemas.microsoft.com/office/drawing/2014/main" id="{D1E09DFF-6771-4DDD-B603-7AB6924EBF8B}"/>
+              </a:ext>
+            </a:extLst>
+          </p:cNvPr>
           <p:cNvSpPr>
             <a:spLocks noGrp="1"/>
           </p:cNvSpPr>
@@ -4278,62 +4269,73 @@
           <a:lstStyle/>
           <a:p>
             <a:r>
-              <a:rPr lang="pt-BR" dirty="0" smtClean="0"/>
-              <a:t>Python</a:t>
+              <a:rPr lang="pt-BR" dirty="0"/>
+              <a:t>Java Spring Boot</a:t>
+            </a:r>
+          </a:p>
+        </p:txBody>
+      </p:sp>
+      <p:sp>
+        <p:nvSpPr>
+          <p:cNvPr id="3" name="Espaço Reservado para Conteúdo 2">
+            <a:extLst>
+              <a:ext uri="{FF2B5EF4-FFF2-40B4-BE49-F238E27FC236}">
+                <a16:creationId xmlns:a16="http://schemas.microsoft.com/office/drawing/2014/main" id="{D9D0F294-F2C7-4F03-8430-C72E478F2209}"/>
+              </a:ext>
+            </a:extLst>
+          </p:cNvPr>
+          <p:cNvSpPr>
+            <a:spLocks noGrp="1"/>
+          </p:cNvSpPr>
+          <p:nvPr>
+            <p:ph idx="1"/>
+          </p:nvPr>
+        </p:nvSpPr>
+        <p:spPr/>
+        <p:txBody>
+          <a:bodyPr/>
+          <a:lstStyle/>
+          <a:p>
+            <a:r>
+              <a:rPr lang="pt-BR" dirty="0"/>
+              <a:t>Framework que ajuda a configurar um projeto em Java;</a:t>
+            </a:r>
+          </a:p>
+          <a:p>
+            <a:pPr lvl="1"/>
+            <a:r>
+              <a:rPr lang="pt-BR" dirty="0"/>
+              <a:t>Engloba diferentes APIs;</a:t>
+            </a:r>
+          </a:p>
+          <a:p>
+            <a:pPr lvl="2"/>
+            <a:r>
+              <a:rPr lang="pt-BR" dirty="0" err="1"/>
+              <a:t>Rest</a:t>
             </a:r>
             <a:endParaRPr lang="pt-BR" dirty="0"/>
           </a:p>
-        </p:txBody>
-      </p:sp>
-      <p:sp>
-        <p:nvSpPr>
-          <p:cNvPr id="3" name="Espaço Reservado para Conteúdo 2"/>
-          <p:cNvSpPr>
-            <a:spLocks noGrp="1"/>
-          </p:cNvSpPr>
-          <p:nvPr>
-            <p:ph idx="1"/>
-          </p:nvPr>
-        </p:nvSpPr>
-        <p:spPr/>
-        <p:txBody>
-          <a:bodyPr/>
-          <a:lstStyle/>
-          <a:p>
-            <a:r>
-              <a:rPr lang="pt-BR" dirty="0" smtClean="0"/>
-              <a:t>MySQL </a:t>
-            </a:r>
-            <a:r>
-              <a:rPr lang="pt-BR" dirty="0" err="1" smtClean="0"/>
-              <a:t>Connector</a:t>
-            </a:r>
-            <a:r>
-              <a:rPr lang="pt-BR" dirty="0" smtClean="0"/>
-              <a:t>:</a:t>
-            </a:r>
-          </a:p>
-          <a:p>
-            <a:pPr lvl="1"/>
-            <a:r>
-              <a:rPr lang="pt-BR" dirty="0" smtClean="0">
-                <a:hlinkClick r:id="rId2"/>
-              </a:rPr>
-              <a:t>https</a:t>
-            </a:r>
-            <a:r>
-              <a:rPr lang="pt-BR" dirty="0">
-                <a:hlinkClick r:id="rId2"/>
-              </a:rPr>
-              <a:t>://</a:t>
-            </a:r>
-            <a:r>
-              <a:rPr lang="pt-BR" dirty="0" smtClean="0">
-                <a:hlinkClick r:id="rId2"/>
-              </a:rPr>
-              <a:t>dev.mysql.com/doc/connector-python/en/connector-python-examples.html</a:t>
-            </a:r>
-            <a:endParaRPr lang="pt-BR" dirty="0" smtClean="0"/>
+          <a:p>
+            <a:pPr lvl="2"/>
+            <a:r>
+              <a:rPr lang="pt-BR" dirty="0"/>
+              <a:t>Banco de dados</a:t>
+            </a:r>
+          </a:p>
+          <a:p>
+            <a:pPr lvl="2"/>
+            <a:r>
+              <a:rPr lang="pt-BR" dirty="0"/>
+              <a:t>Segurança</a:t>
+            </a:r>
+          </a:p>
+          <a:p>
+            <a:pPr lvl="2"/>
+            <a:r>
+              <a:rPr lang="pt-BR" dirty="0"/>
+              <a:t>...</a:t>
+            </a:r>
           </a:p>
           <a:p>
             <a:pPr lvl="1"/>
@@ -4341,80 +4343,22 @@
           </a:p>
           <a:p>
             <a:r>
-              <a:rPr lang="pt-BR" dirty="0" err="1" smtClean="0"/>
-              <a:t>Rest</a:t>
-            </a:r>
-            <a:r>
-              <a:rPr lang="pt-BR" dirty="0" smtClean="0"/>
-              <a:t> </a:t>
-            </a:r>
-            <a:r>
-              <a:rPr lang="pt-BR" dirty="0" err="1" smtClean="0"/>
-              <a:t>WebServices</a:t>
-            </a:r>
-            <a:endParaRPr lang="pt-BR" dirty="0"/>
-          </a:p>
-          <a:p>
-            <a:pPr lvl="1"/>
-            <a:r>
-              <a:rPr lang="pt-BR" dirty="0"/>
-              <a:t>FLASK - </a:t>
-            </a:r>
-            <a:r>
-              <a:rPr lang="pt-BR" dirty="0">
-                <a:hlinkClick r:id="rId3"/>
-              </a:rPr>
-              <a:t>http://flask.pocoo.org</a:t>
-            </a:r>
-            <a:r>
-              <a:rPr lang="pt-BR" dirty="0" smtClean="0">
-                <a:hlinkClick r:id="rId3"/>
-              </a:rPr>
-              <a:t>/</a:t>
-            </a:r>
-            <a:endParaRPr lang="pt-BR" dirty="0" smtClean="0"/>
-          </a:p>
-          <a:p>
-            <a:pPr lvl="1"/>
-            <a:endParaRPr lang="pt-BR" dirty="0"/>
-          </a:p>
-          <a:p>
-            <a:r>
-              <a:rPr lang="pt-BR" dirty="0">
-                <a:hlinkClick r:id="rId4"/>
-              </a:rPr>
-              <a:t>http://www.mysqltutorial.org/python-mysql</a:t>
-            </a:r>
-            <a:r>
-              <a:rPr lang="pt-BR" dirty="0" smtClean="0">
-                <a:hlinkClick r:id="rId4"/>
-              </a:rPr>
-              <a:t>/</a:t>
-            </a:r>
-            <a:endParaRPr lang="pt-BR" dirty="0" smtClean="0"/>
-          </a:p>
-          <a:p>
-            <a:endParaRPr lang="pt-BR" dirty="0" smtClean="0"/>
+              <a:rPr lang="pt-BR" dirty="0"/>
+              <a:t>https://start.spring.io/</a:t>
+            </a:r>
           </a:p>
         </p:txBody>
       </p:sp>
     </p:spTree>
     <p:extLst>
       <p:ext uri="{BB962C8B-B14F-4D97-AF65-F5344CB8AC3E}">
-        <p14:creationId xmlns:p14="http://schemas.microsoft.com/office/powerpoint/2010/main" val="4021065300"/>
+        <p14:creationId xmlns:p14="http://schemas.microsoft.com/office/powerpoint/2010/main" val="2644659802"/>
       </p:ext>
     </p:extLst>
   </p:cSld>
   <p:clrMapOvr>
     <a:masterClrMapping/>
   </p:clrMapOvr>
-  <p:timing>
-    <p:tnLst>
-      <p:par>
-        <p:cTn id="1" dur="indefinite" restart="never" nodeType="tmRoot"/>
-      </p:par>
-    </p:tnLst>
-  </p:timing>
 </p:sld>
 </file>
 
@@ -4437,7 +4381,13 @@
       </p:grpSpPr>
       <p:sp>
         <p:nvSpPr>
-          <p:cNvPr id="2" name="Título 1"/>
+          <p:cNvPr id="2" name="Título 1">
+            <a:extLst>
+              <a:ext uri="{FF2B5EF4-FFF2-40B4-BE49-F238E27FC236}">
+                <a16:creationId xmlns:a16="http://schemas.microsoft.com/office/drawing/2014/main" id="{C9136F1D-D64C-4074-B3D3-061FB7A8CDE8}"/>
+              </a:ext>
+            </a:extLst>
+          </p:cNvPr>
           <p:cNvSpPr>
             <a:spLocks noGrp="1"/>
           </p:cNvSpPr>
@@ -4451,143 +4401,168 @@
           <a:lstStyle/>
           <a:p>
             <a:r>
-              <a:rPr lang="pt-BR" dirty="0" smtClean="0"/>
-              <a:t>MQTT</a:t>
-            </a:r>
+              <a:rPr lang="pt-BR" dirty="0"/>
+              <a:t>Java Spring Boot</a:t>
+            </a:r>
+          </a:p>
+        </p:txBody>
+      </p:sp>
+      <p:sp>
+        <p:nvSpPr>
+          <p:cNvPr id="3" name="Espaço Reservado para Conteúdo 2">
+            <a:extLst>
+              <a:ext uri="{FF2B5EF4-FFF2-40B4-BE49-F238E27FC236}">
+                <a16:creationId xmlns:a16="http://schemas.microsoft.com/office/drawing/2014/main" id="{68C1030A-4C42-4892-80C3-2BC439939C52}"/>
+              </a:ext>
+            </a:extLst>
+          </p:cNvPr>
+          <p:cNvSpPr>
+            <a:spLocks noGrp="1"/>
+          </p:cNvSpPr>
+          <p:nvPr>
+            <p:ph idx="1"/>
+          </p:nvPr>
+        </p:nvSpPr>
+        <p:spPr/>
+        <p:txBody>
+          <a:bodyPr>
+            <a:normAutofit fontScale="92500" lnSpcReduction="20000"/>
+          </a:bodyPr>
+          <a:lstStyle/>
+          <a:p>
+            <a:r>
+              <a:rPr lang="pt-BR" dirty="0"/>
+              <a:t>Instalar Java:</a:t>
+            </a:r>
+          </a:p>
+          <a:p>
+            <a:pPr lvl="1"/>
+            <a:r>
+              <a:rPr lang="pt-BR" dirty="0" err="1"/>
+              <a:t>sudo</a:t>
+            </a:r>
+            <a:r>
+              <a:rPr lang="pt-BR" dirty="0"/>
+              <a:t> </a:t>
+            </a:r>
+            <a:r>
+              <a:rPr lang="pt-BR" dirty="0" err="1"/>
+              <a:t>apt</a:t>
+            </a:r>
+            <a:r>
+              <a:rPr lang="pt-BR" dirty="0"/>
+              <a:t> </a:t>
+            </a:r>
+            <a:r>
+              <a:rPr lang="pt-BR" dirty="0" err="1"/>
+              <a:t>install</a:t>
+            </a:r>
+            <a:r>
+              <a:rPr lang="pt-BR" dirty="0"/>
+              <a:t> openjdk-8-jre-headless </a:t>
+            </a:r>
+          </a:p>
+          <a:p>
             <a:endParaRPr lang="pt-BR" dirty="0"/>
           </a:p>
-        </p:txBody>
-      </p:sp>
-      <p:sp>
-        <p:nvSpPr>
-          <p:cNvPr id="3" name="Espaço Reservado para Conteúdo 2"/>
-          <p:cNvSpPr>
-            <a:spLocks noGrp="1"/>
-          </p:cNvSpPr>
-          <p:nvPr>
-            <p:ph idx="1"/>
-          </p:nvPr>
-        </p:nvSpPr>
-        <p:spPr/>
-        <p:txBody>
-          <a:bodyPr/>
-          <a:lstStyle/>
-          <a:p>
-            <a:r>
-              <a:rPr lang="pt-BR" dirty="0" smtClean="0">
-                <a:hlinkClick r:id="rId2"/>
-              </a:rPr>
-              <a:t>http</a:t>
-            </a:r>
+          <a:p>
+            <a:r>
+              <a:rPr lang="pt-BR" dirty="0"/>
+              <a:t>Eclipse JEE:</a:t>
+            </a:r>
+          </a:p>
+          <a:p>
+            <a:pPr lvl="1"/>
             <a:r>
               <a:rPr lang="pt-BR" dirty="0">
                 <a:hlinkClick r:id="rId2"/>
               </a:rPr>
-              <a:t>://www.eclipse.org/paho</a:t>
-            </a:r>
-            <a:r>
-              <a:rPr lang="pt-BR" dirty="0" smtClean="0">
-                <a:hlinkClick r:id="rId2"/>
+              <a:t>http://www.eclipse.org/</a:t>
+            </a:r>
+            <a:endParaRPr lang="pt-BR" dirty="0"/>
+          </a:p>
+          <a:p>
+            <a:endParaRPr lang="pt-BR" dirty="0"/>
+          </a:p>
+          <a:p>
+            <a:r>
+              <a:rPr lang="pt-BR" dirty="0"/>
+              <a:t>Visual Studio </a:t>
+            </a:r>
+            <a:r>
+              <a:rPr lang="pt-BR" dirty="0" err="1"/>
+              <a:t>Code</a:t>
+            </a:r>
+            <a:endParaRPr lang="pt-BR" dirty="0"/>
+          </a:p>
+          <a:p>
+            <a:pPr lvl="1"/>
+            <a:r>
+              <a:rPr lang="pt-BR" dirty="0">
+                <a:hlinkClick r:id="rId3"/>
               </a:rPr>
-              <a:t>/</a:t>
-            </a:r>
-            <a:endParaRPr lang="pt-BR" dirty="0" smtClean="0"/>
+              <a:t>https://code.visualstudio.com/</a:t>
+            </a:r>
+            <a:endParaRPr lang="pt-BR" dirty="0"/>
           </a:p>
           <a:p>
             <a:pPr lvl="1"/>
-            <a:r>
-              <a:rPr lang="pt-BR" dirty="0" smtClean="0"/>
-              <a:t>Java</a:t>
-            </a:r>
-          </a:p>
-          <a:p>
-            <a:pPr lvl="1"/>
-            <a:r>
-              <a:rPr lang="pt-BR" dirty="0" smtClean="0"/>
-              <a:t>Python</a:t>
-            </a:r>
-          </a:p>
-          <a:p>
-            <a:pPr lvl="1"/>
-            <a:r>
-              <a:rPr lang="pt-BR" dirty="0" smtClean="0"/>
-              <a:t>C#</a:t>
-            </a:r>
             <a:endParaRPr lang="pt-BR" dirty="0"/>
           </a:p>
-        </p:txBody>
-      </p:sp>
-      <p:pic>
-        <p:nvPicPr>
-          <p:cNvPr id="4" name="Picture 2"/>
-          <p:cNvPicPr>
-            <a:picLocks noChangeAspect="1" noChangeArrowheads="1"/>
-          </p:cNvPicPr>
-          <p:nvPr/>
-        </p:nvPicPr>
-        <p:blipFill>
-          <a:blip r:embed="rId3" cstate="print">
-            <a:extLst>
-              <a:ext uri="{28A0092B-C50C-407E-A947-70E740481C1C}">
-                <a14:useLocalDpi xmlns:a14="http://schemas.microsoft.com/office/drawing/2010/main" val="0"/>
-              </a:ext>
-            </a:extLst>
-          </a:blip>
-          <a:srcRect/>
-          <a:stretch>
-            <a:fillRect/>
-          </a:stretch>
-        </p:blipFill>
-        <p:spPr bwMode="auto">
-          <a:xfrm>
-            <a:off x="2699792" y="2636912"/>
-            <a:ext cx="5862196" cy="3557312"/>
-          </a:xfrm>
-          <a:prstGeom prst="rect">
-            <a:avLst/>
-          </a:prstGeom>
-          <a:noFill/>
-          <a:ln>
-            <a:noFill/>
-          </a:ln>
-          <a:extLst>
-            <a:ext uri="{909E8E84-426E-40DD-AFC4-6F175D3DCCD1}">
-              <a14:hiddenFill xmlns:a14="http://schemas.microsoft.com/office/drawing/2010/main">
-                <a:solidFill>
-                  <a:schemeClr val="accent1"/>
-                </a:solidFill>
-              </a14:hiddenFill>
-            </a:ext>
-            <a:ext uri="{91240B29-F687-4F45-9708-019B960494DF}">
-              <a14:hiddenLine xmlns:a14="http://schemas.microsoft.com/office/drawing/2010/main" w="9525">
-                <a:solidFill>
-                  <a:schemeClr val="tx1"/>
-                </a:solidFill>
-                <a:miter lim="800000"/>
-                <a:headEnd/>
-                <a:tailEnd/>
-              </a14:hiddenLine>
-            </a:ext>
-          </a:extLst>
-        </p:spPr>
-      </p:pic>
+          <a:p>
+            <a:r>
+              <a:rPr lang="pt-BR" dirty="0" err="1"/>
+              <a:t>Embedded</a:t>
+            </a:r>
+            <a:r>
+              <a:rPr lang="pt-BR" dirty="0"/>
+              <a:t> </a:t>
+            </a:r>
+            <a:r>
+              <a:rPr lang="pt-BR" dirty="0" err="1"/>
+              <a:t>Tomcat</a:t>
+            </a:r>
+            <a:r>
+              <a:rPr lang="pt-BR" dirty="0"/>
+              <a:t>;</a:t>
+            </a:r>
+          </a:p>
+          <a:p>
+            <a:endParaRPr lang="pt-BR" dirty="0"/>
+          </a:p>
+          <a:p>
+            <a:r>
+              <a:rPr lang="pt-BR" dirty="0" err="1"/>
+              <a:t>Template</a:t>
+            </a:r>
+            <a:r>
+              <a:rPr lang="pt-BR" dirty="0"/>
+              <a:t> disponível no </a:t>
+            </a:r>
+            <a:r>
+              <a:rPr lang="pt-BR" dirty="0" err="1"/>
+              <a:t>github</a:t>
+            </a:r>
+            <a:r>
+              <a:rPr lang="pt-BR" dirty="0"/>
+              <a:t>;</a:t>
+            </a:r>
+          </a:p>
+          <a:p>
+            <a:endParaRPr lang="pt-BR" dirty="0"/>
+          </a:p>
+        </p:txBody>
+      </p:sp>
     </p:spTree>
     <p:extLst>
       <p:ext uri="{BB962C8B-B14F-4D97-AF65-F5344CB8AC3E}">
-        <p14:creationId xmlns:p14="http://schemas.microsoft.com/office/powerpoint/2010/main" val="3463448131"/>
+        <p14:creationId xmlns:p14="http://schemas.microsoft.com/office/powerpoint/2010/main" val="3407054420"/>
       </p:ext>
     </p:extLst>
   </p:cSld>
   <p:clrMapOvr>
     <a:masterClrMapping/>
   </p:clrMapOvr>
-  <p:timing>
-    <p:tnLst>
-      <p:par>
-        <p:cTn id="1" dur="indefinite" restart="never" nodeType="tmRoot"/>
-      </p:par>
-    </p:tnLst>
-  </p:timing>
 </p:sld>
 </file>
 
@@ -4624,177 +4599,119 @@
           <a:lstStyle/>
           <a:p>
             <a:r>
-              <a:rPr lang="pt-BR" dirty="0" smtClean="0"/>
-              <a:t>Acesso a dados</a:t>
+              <a:rPr lang="pt-BR" dirty="0"/>
+              <a:t>Python</a:t>
+            </a:r>
+          </a:p>
+        </p:txBody>
+      </p:sp>
+      <p:sp>
+        <p:nvSpPr>
+          <p:cNvPr id="3" name="Espaço Reservado para Conteúdo 2"/>
+          <p:cNvSpPr>
+            <a:spLocks noGrp="1"/>
+          </p:cNvSpPr>
+          <p:nvPr>
+            <p:ph idx="1"/>
+          </p:nvPr>
+        </p:nvSpPr>
+        <p:spPr/>
+        <p:txBody>
+          <a:bodyPr>
+            <a:normAutofit fontScale="92500" lnSpcReduction="10000"/>
+          </a:bodyPr>
+          <a:lstStyle/>
+          <a:p>
+            <a:r>
+              <a:rPr lang="pt-BR" dirty="0"/>
+              <a:t>MySQL </a:t>
+            </a:r>
+            <a:r>
+              <a:rPr lang="pt-BR" dirty="0" err="1"/>
+              <a:t>Connector</a:t>
+            </a:r>
+            <a:r>
+              <a:rPr lang="pt-BR" dirty="0"/>
+              <a:t>:</a:t>
+            </a:r>
+          </a:p>
+          <a:p>
+            <a:pPr lvl="1"/>
+            <a:r>
+              <a:rPr lang="pt-BR" dirty="0">
+                <a:hlinkClick r:id="rId2"/>
+              </a:rPr>
+              <a:t>https://dev.mysql.com/doc/connector-python/en/connector-python-examples.html</a:t>
             </a:r>
             <a:endParaRPr lang="pt-BR" dirty="0"/>
           </a:p>
-        </p:txBody>
-      </p:sp>
-      <p:sp>
-        <p:nvSpPr>
-          <p:cNvPr id="3" name="Espaço Reservado para Conteúdo 2"/>
-          <p:cNvSpPr>
-            <a:spLocks noGrp="1"/>
-          </p:cNvSpPr>
-          <p:nvPr>
-            <p:ph idx="1"/>
-          </p:nvPr>
-        </p:nvSpPr>
-        <p:spPr/>
-        <p:txBody>
-          <a:bodyPr>
-            <a:normAutofit fontScale="85000" lnSpcReduction="20000"/>
-          </a:bodyPr>
-          <a:lstStyle/>
-          <a:p>
-            <a:r>
-              <a:rPr lang="pt-BR" dirty="0" smtClean="0"/>
-              <a:t>ODBC:</a:t>
-            </a:r>
-          </a:p>
           <a:p>
             <a:pPr lvl="1"/>
-            <a:r>
-              <a:rPr lang="pt-BR" dirty="0"/>
-              <a:t>Open </a:t>
-            </a:r>
+            <a:endParaRPr lang="pt-BR" dirty="0"/>
+          </a:p>
+          <a:p>
             <a:r>
               <a:rPr lang="pt-BR" dirty="0" err="1"/>
-              <a:t>Database</a:t>
+              <a:t>Rest</a:t>
             </a:r>
             <a:r>
               <a:rPr lang="pt-BR" dirty="0"/>
               <a:t> </a:t>
             </a:r>
             <a:r>
-              <a:rPr lang="pt-BR" dirty="0" err="1" smtClean="0"/>
-              <a:t>Connectivity</a:t>
-            </a:r>
-            <a:r>
-              <a:rPr lang="pt-BR" dirty="0"/>
-              <a:t> Open </a:t>
-            </a:r>
-            <a:r>
               <a:rPr lang="pt-BR" dirty="0" err="1"/>
-              <a:t>Database</a:t>
-            </a:r>
-            <a:r>
-              <a:rPr lang="pt-BR" dirty="0"/>
-              <a:t> </a:t>
-            </a:r>
-            <a:r>
-              <a:rPr lang="pt-BR" dirty="0" err="1" smtClean="0"/>
-              <a:t>Connectivity</a:t>
-            </a:r>
-            <a:r>
-              <a:rPr lang="pt-BR" dirty="0" smtClean="0"/>
-              <a:t>;</a:t>
-            </a:r>
+              <a:t>WebServices</a:t>
+            </a:r>
+            <a:endParaRPr lang="pt-BR" dirty="0"/>
           </a:p>
           <a:p>
             <a:pPr lvl="1"/>
             <a:r>
-              <a:rPr lang="pt-BR" dirty="0" smtClean="0"/>
-              <a:t>Padrão </a:t>
-            </a:r>
-            <a:r>
-              <a:rPr lang="pt-BR" dirty="0"/>
-              <a:t>para acesso a sistemas gerenciadores de bancos de </a:t>
-            </a:r>
-            <a:r>
-              <a:rPr lang="pt-BR" dirty="0" smtClean="0"/>
-              <a:t>dados;</a:t>
-            </a:r>
+              <a:rPr lang="pt-BR" dirty="0"/>
+              <a:t>FLASK - </a:t>
+            </a:r>
+            <a:r>
+              <a:rPr lang="pt-BR" dirty="0">
+                <a:hlinkClick r:id="rId3"/>
+              </a:rPr>
+              <a:t>http://flask.pocoo.org/</a:t>
+            </a:r>
+            <a:endParaRPr lang="pt-BR" dirty="0"/>
+          </a:p>
+          <a:p>
+            <a:endParaRPr lang="pt-BR" dirty="0"/>
+          </a:p>
+          <a:p>
+            <a:r>
+              <a:rPr lang="pt-BR" dirty="0" err="1"/>
+              <a:t>Django</a:t>
+            </a:r>
+            <a:endParaRPr lang="pt-BR" dirty="0"/>
           </a:p>
           <a:p>
             <a:pPr lvl="1"/>
-            <a:endParaRPr lang="pt-BR" dirty="0" smtClean="0"/>
-          </a:p>
-          <a:p>
-            <a:r>
-              <a:rPr lang="pt-BR" dirty="0" smtClean="0"/>
-              <a:t>JDBC:</a:t>
-            </a:r>
+            <a:r>
+              <a:rPr lang="pt-BR" dirty="0">
+                <a:hlinkClick r:id="rId4"/>
+              </a:rPr>
+              <a:t>https://www.djangoproject.com/</a:t>
+            </a:r>
+            <a:endParaRPr lang="pt-BR" dirty="0"/>
           </a:p>
           <a:p>
             <a:pPr lvl="1"/>
-            <a:r>
-              <a:rPr lang="pt-BR" dirty="0"/>
-              <a:t>Java </a:t>
-            </a:r>
-            <a:r>
-              <a:rPr lang="pt-BR" dirty="0" err="1"/>
-              <a:t>Database</a:t>
-            </a:r>
-            <a:r>
-              <a:rPr lang="pt-BR" dirty="0"/>
-              <a:t> </a:t>
-            </a:r>
-            <a:r>
-              <a:rPr lang="pt-BR" dirty="0" err="1" smtClean="0"/>
-              <a:t>Connectivity</a:t>
-            </a:r>
-            <a:r>
-              <a:rPr lang="pt-BR" dirty="0" smtClean="0"/>
-              <a:t>;</a:t>
-            </a:r>
-          </a:p>
-          <a:p>
-            <a:pPr lvl="1"/>
-            <a:r>
-              <a:rPr lang="pt-BR" dirty="0" smtClean="0"/>
-              <a:t>API de acessos a dados;</a:t>
-            </a:r>
-          </a:p>
-          <a:p>
-            <a:endParaRPr lang="pt-BR" dirty="0" smtClean="0"/>
-          </a:p>
-          <a:p>
-            <a:r>
-              <a:rPr lang="pt-BR" dirty="0" err="1" smtClean="0"/>
-              <a:t>Hibernate</a:t>
-            </a:r>
-            <a:r>
-              <a:rPr lang="pt-BR" dirty="0" smtClean="0"/>
-              <a:t>/JPA:</a:t>
-            </a:r>
-          </a:p>
-          <a:p>
-            <a:pPr lvl="1"/>
-            <a:r>
-              <a:rPr lang="pt-BR" dirty="0" smtClean="0"/>
-              <a:t>Framework </a:t>
-            </a:r>
-            <a:r>
-              <a:rPr lang="pt-BR" dirty="0"/>
-              <a:t>para mapeamento </a:t>
-            </a:r>
-            <a:r>
-              <a:rPr lang="pt-BR" dirty="0" smtClean="0"/>
-              <a:t>objeto-relacional em Java;</a:t>
-            </a:r>
             <a:endParaRPr lang="pt-BR" dirty="0"/>
           </a:p>
           <a:p>
-            <a:endParaRPr lang="pt-BR" dirty="0" smtClean="0"/>
-          </a:p>
-          <a:p>
-            <a:r>
-              <a:rPr lang="pt-BR" dirty="0" err="1" smtClean="0"/>
-              <a:t>Linq</a:t>
-            </a:r>
-            <a:r>
-              <a:rPr lang="pt-BR" dirty="0" smtClean="0"/>
-              <a:t>:</a:t>
-            </a:r>
-          </a:p>
-          <a:p>
-            <a:pPr lvl="1"/>
-            <a:r>
-              <a:rPr lang="pt-BR" dirty="0" smtClean="0"/>
-              <a:t>Adiciona funcionalidades de consultas para .NET;</a:t>
-            </a:r>
+            <a:r>
+              <a:rPr lang="pt-BR" dirty="0">
+                <a:hlinkClick r:id="rId5"/>
+              </a:rPr>
+              <a:t>http://www.mysqltutorial.org/python-mysql/</a:t>
+            </a:r>
+            <a:endParaRPr lang="pt-BR" dirty="0"/>
+          </a:p>
+          <a:p>
             <a:endParaRPr lang="pt-BR" dirty="0"/>
           </a:p>
         </p:txBody>
@@ -4802,20 +4719,13 @@
     </p:spTree>
     <p:extLst>
       <p:ext uri="{BB962C8B-B14F-4D97-AF65-F5344CB8AC3E}">
-        <p14:creationId xmlns:p14="http://schemas.microsoft.com/office/powerpoint/2010/main" val="3079167134"/>
+        <p14:creationId xmlns:p14="http://schemas.microsoft.com/office/powerpoint/2010/main" val="4021065300"/>
       </p:ext>
     </p:extLst>
   </p:cSld>
   <p:clrMapOvr>
     <a:masterClrMapping/>
   </p:clrMapOvr>
-  <p:timing>
-    <p:tnLst>
-      <p:par>
-        <p:cTn id="1" dur="indefinite" restart="never" nodeType="tmRoot"/>
-      </p:par>
-    </p:tnLst>
-  </p:timing>
 </p:sld>
 </file>
 
@@ -4852,10 +4762,809 @@
           <a:lstStyle/>
           <a:p>
             <a:r>
-              <a:rPr lang="pt-BR" dirty="0" smtClean="0"/>
+              <a:rPr lang="pt-BR" dirty="0"/>
+              <a:t>Acesso a dados</a:t>
+            </a:r>
+          </a:p>
+        </p:txBody>
+      </p:sp>
+      <p:sp>
+        <p:nvSpPr>
+          <p:cNvPr id="3" name="Espaço Reservado para Conteúdo 2"/>
+          <p:cNvSpPr>
+            <a:spLocks noGrp="1"/>
+          </p:cNvSpPr>
+          <p:nvPr>
+            <p:ph idx="1"/>
+          </p:nvPr>
+        </p:nvSpPr>
+        <p:spPr/>
+        <p:txBody>
+          <a:bodyPr>
+            <a:normAutofit fontScale="85000" lnSpcReduction="20000"/>
+          </a:bodyPr>
+          <a:lstStyle/>
+          <a:p>
+            <a:r>
+              <a:rPr lang="pt-BR" dirty="0"/>
+              <a:t>ODBC:</a:t>
+            </a:r>
+          </a:p>
+          <a:p>
+            <a:pPr lvl="1"/>
+            <a:r>
+              <a:rPr lang="pt-BR" dirty="0"/>
+              <a:t>Open </a:t>
+            </a:r>
+            <a:r>
+              <a:rPr lang="pt-BR" dirty="0" err="1"/>
+              <a:t>Database</a:t>
+            </a:r>
+            <a:r>
+              <a:rPr lang="pt-BR" dirty="0"/>
+              <a:t> </a:t>
+            </a:r>
+            <a:r>
+              <a:rPr lang="pt-BR" dirty="0" err="1"/>
+              <a:t>Connectivity</a:t>
+            </a:r>
+            <a:r>
+              <a:rPr lang="pt-BR" dirty="0"/>
+              <a:t> Open </a:t>
+            </a:r>
+            <a:r>
+              <a:rPr lang="pt-BR" dirty="0" err="1"/>
+              <a:t>Database</a:t>
+            </a:r>
+            <a:r>
+              <a:rPr lang="pt-BR" dirty="0"/>
+              <a:t> </a:t>
+            </a:r>
+            <a:r>
+              <a:rPr lang="pt-BR" dirty="0" err="1"/>
+              <a:t>Connectivity</a:t>
+            </a:r>
+            <a:r>
+              <a:rPr lang="pt-BR" dirty="0"/>
+              <a:t>;</a:t>
+            </a:r>
+          </a:p>
+          <a:p>
+            <a:pPr lvl="1"/>
+            <a:r>
+              <a:rPr lang="pt-BR" dirty="0"/>
+              <a:t>Padrão para acesso a sistemas gerenciadores de bancos de dados;</a:t>
+            </a:r>
+          </a:p>
+          <a:p>
+            <a:pPr lvl="1"/>
+            <a:endParaRPr lang="pt-BR" dirty="0"/>
+          </a:p>
+          <a:p>
+            <a:r>
+              <a:rPr lang="pt-BR" dirty="0"/>
+              <a:t>JDBC:</a:t>
+            </a:r>
+          </a:p>
+          <a:p>
+            <a:pPr lvl="1"/>
+            <a:r>
+              <a:rPr lang="pt-BR" dirty="0"/>
+              <a:t>Java </a:t>
+            </a:r>
+            <a:r>
+              <a:rPr lang="pt-BR" dirty="0" err="1"/>
+              <a:t>Database</a:t>
+            </a:r>
+            <a:r>
+              <a:rPr lang="pt-BR" dirty="0"/>
+              <a:t> </a:t>
+            </a:r>
+            <a:r>
+              <a:rPr lang="pt-BR" dirty="0" err="1"/>
+              <a:t>Connectivity</a:t>
+            </a:r>
+            <a:r>
+              <a:rPr lang="pt-BR" dirty="0"/>
+              <a:t>;</a:t>
+            </a:r>
+          </a:p>
+          <a:p>
+            <a:pPr lvl="1"/>
+            <a:r>
+              <a:rPr lang="pt-BR" dirty="0"/>
+              <a:t>API de acessos a dados;</a:t>
+            </a:r>
+          </a:p>
+          <a:p>
+            <a:endParaRPr lang="pt-BR" dirty="0"/>
+          </a:p>
+          <a:p>
+            <a:r>
+              <a:rPr lang="pt-BR" dirty="0" err="1"/>
+              <a:t>Hibernate</a:t>
+            </a:r>
+            <a:r>
+              <a:rPr lang="pt-BR" dirty="0"/>
+              <a:t>/JPA:</a:t>
+            </a:r>
+          </a:p>
+          <a:p>
+            <a:pPr lvl="1"/>
+            <a:r>
+              <a:rPr lang="pt-BR" dirty="0"/>
+              <a:t>Framework para mapeamento objeto-relacional em Java;</a:t>
+            </a:r>
+          </a:p>
+          <a:p>
+            <a:endParaRPr lang="pt-BR" dirty="0"/>
+          </a:p>
+          <a:p>
+            <a:r>
+              <a:rPr lang="pt-BR" dirty="0" err="1"/>
+              <a:t>Linq</a:t>
+            </a:r>
+            <a:r>
+              <a:rPr lang="pt-BR" dirty="0"/>
+              <a:t>:</a:t>
+            </a:r>
+          </a:p>
+          <a:p>
+            <a:pPr lvl="1"/>
+            <a:r>
+              <a:rPr lang="pt-BR" dirty="0"/>
+              <a:t>Adiciona funcionalidades de consultas para .NET;</a:t>
+            </a:r>
+          </a:p>
+        </p:txBody>
+      </p:sp>
+    </p:spTree>
+    <p:extLst>
+      <p:ext uri="{BB962C8B-B14F-4D97-AF65-F5344CB8AC3E}">
+        <p14:creationId xmlns:p14="http://schemas.microsoft.com/office/powerpoint/2010/main" val="3079167134"/>
+      </p:ext>
+    </p:extLst>
+  </p:cSld>
+  <p:clrMapOvr>
+    <a:masterClrMapping/>
+  </p:clrMapOvr>
+</p:sld>
+</file>
+
+<file path=ppt/slides/slide15.xml><?xml version="1.0" encoding="utf-8"?>
+<p:sld xmlns:a="http://schemas.openxmlformats.org/drawingml/2006/main" xmlns:r="http://schemas.openxmlformats.org/officeDocument/2006/relationships" xmlns:p="http://schemas.openxmlformats.org/presentationml/2006/main">
+  <p:cSld>
+    <p:spTree>
+      <p:nvGrpSpPr>
+        <p:cNvPr id="1" name=""/>
+        <p:cNvGrpSpPr/>
+        <p:nvPr/>
+      </p:nvGrpSpPr>
+      <p:grpSpPr>
+        <a:xfrm>
+          <a:off x="0" y="0"/>
+          <a:ext cx="0" cy="0"/>
+          <a:chOff x="0" y="0"/>
+          <a:chExt cx="0" cy="0"/>
+        </a:xfrm>
+      </p:grpSpPr>
+      <p:sp>
+        <p:nvSpPr>
+          <p:cNvPr id="2" name="Título 1">
+            <a:extLst>
+              <a:ext uri="{FF2B5EF4-FFF2-40B4-BE49-F238E27FC236}">
+                <a16:creationId xmlns:a16="http://schemas.microsoft.com/office/drawing/2014/main" id="{C0B59C51-AF2D-4870-9DC9-DED8619914C3}"/>
+              </a:ext>
+            </a:extLst>
+          </p:cNvPr>
+          <p:cNvSpPr>
+            <a:spLocks noGrp="1"/>
+          </p:cNvSpPr>
+          <p:nvPr>
+            <p:ph type="title"/>
+          </p:nvPr>
+        </p:nvSpPr>
+        <p:spPr/>
+        <p:txBody>
+          <a:bodyPr/>
+          <a:lstStyle/>
+          <a:p>
+            <a:r>
+              <a:rPr lang="pt-BR" dirty="0"/>
+              <a:t>Arquitetura MVC</a:t>
+            </a:r>
+          </a:p>
+        </p:txBody>
+      </p:sp>
+      <p:sp>
+        <p:nvSpPr>
+          <p:cNvPr id="4" name="Retângulo 3">
+            <a:extLst>
+              <a:ext uri="{FF2B5EF4-FFF2-40B4-BE49-F238E27FC236}">
+                <a16:creationId xmlns:a16="http://schemas.microsoft.com/office/drawing/2014/main" id="{9549299D-C989-4DF5-AD49-96B3C872C079}"/>
+              </a:ext>
+            </a:extLst>
+          </p:cNvPr>
+          <p:cNvSpPr/>
+          <p:nvPr/>
+        </p:nvSpPr>
+        <p:spPr>
+          <a:xfrm>
+            <a:off x="1906268" y="3446356"/>
+            <a:ext cx="2160240" cy="1368152"/>
+          </a:xfrm>
+          <a:prstGeom prst="rect">
+            <a:avLst/>
+          </a:prstGeom>
+        </p:spPr>
+        <p:style>
+          <a:lnRef idx="2">
+            <a:schemeClr val="accent1">
+              <a:shade val="50000"/>
+            </a:schemeClr>
+          </a:lnRef>
+          <a:fillRef idx="1">
+            <a:schemeClr val="accent1"/>
+          </a:fillRef>
+          <a:effectRef idx="0">
+            <a:schemeClr val="accent1"/>
+          </a:effectRef>
+          <a:fontRef idx="minor">
+            <a:schemeClr val="lt1"/>
+          </a:fontRef>
+        </p:style>
+        <p:txBody>
+          <a:bodyPr rtlCol="0" anchor="ctr"/>
+          <a:lstStyle/>
+          <a:p>
+            <a:pPr algn="ctr"/>
+            <a:r>
+              <a:rPr lang="pt-BR" dirty="0" err="1"/>
+              <a:t>View</a:t>
+            </a:r>
+            <a:endParaRPr lang="pt-BR" dirty="0"/>
+          </a:p>
+        </p:txBody>
+      </p:sp>
+      <p:sp>
+        <p:nvSpPr>
+          <p:cNvPr id="5" name="Retângulo 4">
+            <a:extLst>
+              <a:ext uri="{FF2B5EF4-FFF2-40B4-BE49-F238E27FC236}">
+                <a16:creationId xmlns:a16="http://schemas.microsoft.com/office/drawing/2014/main" id="{795AF381-D433-4A44-9CE5-CF0EBFC89F70}"/>
+              </a:ext>
+            </a:extLst>
+          </p:cNvPr>
+          <p:cNvSpPr/>
+          <p:nvPr/>
+        </p:nvSpPr>
+        <p:spPr>
+          <a:xfrm>
+            <a:off x="5244076" y="2348880"/>
+            <a:ext cx="2160240" cy="1368152"/>
+          </a:xfrm>
+          <a:prstGeom prst="rect">
+            <a:avLst/>
+          </a:prstGeom>
+        </p:spPr>
+        <p:style>
+          <a:lnRef idx="2">
+            <a:schemeClr val="accent1">
+              <a:shade val="50000"/>
+            </a:schemeClr>
+          </a:lnRef>
+          <a:fillRef idx="1">
+            <a:schemeClr val="accent1"/>
+          </a:fillRef>
+          <a:effectRef idx="0">
+            <a:schemeClr val="accent1"/>
+          </a:effectRef>
+          <a:fontRef idx="minor">
+            <a:schemeClr val="lt1"/>
+          </a:fontRef>
+        </p:style>
+        <p:txBody>
+          <a:bodyPr rtlCol="0" anchor="ctr"/>
+          <a:lstStyle/>
+          <a:p>
+            <a:pPr algn="ctr"/>
+            <a:r>
+              <a:rPr lang="pt-BR" dirty="0" err="1"/>
+              <a:t>Controller</a:t>
+            </a:r>
+            <a:endParaRPr lang="pt-BR" dirty="0"/>
+          </a:p>
+          <a:p>
+            <a:pPr algn="ctr"/>
+            <a:r>
+              <a:rPr lang="pt-BR" dirty="0"/>
+              <a:t>(</a:t>
+            </a:r>
+            <a:r>
+              <a:rPr lang="pt-BR" dirty="0" err="1"/>
+              <a:t>Ex</a:t>
+            </a:r>
+            <a:r>
+              <a:rPr lang="pt-BR" dirty="0"/>
+              <a:t>: </a:t>
+            </a:r>
+            <a:r>
+              <a:rPr lang="pt-BR" dirty="0" err="1"/>
+              <a:t>Rest</a:t>
+            </a:r>
+            <a:r>
+              <a:rPr lang="pt-BR" dirty="0"/>
+              <a:t> API)</a:t>
+            </a:r>
+          </a:p>
+        </p:txBody>
+      </p:sp>
+      <p:sp>
+        <p:nvSpPr>
+          <p:cNvPr id="6" name="Retângulo 5">
+            <a:extLst>
+              <a:ext uri="{FF2B5EF4-FFF2-40B4-BE49-F238E27FC236}">
+                <a16:creationId xmlns:a16="http://schemas.microsoft.com/office/drawing/2014/main" id="{4B296FD2-FD8F-478E-8244-5BD1685E589B}"/>
+              </a:ext>
+            </a:extLst>
+          </p:cNvPr>
+          <p:cNvSpPr/>
+          <p:nvPr/>
+        </p:nvSpPr>
+        <p:spPr>
+          <a:xfrm>
+            <a:off x="5218636" y="4797152"/>
+            <a:ext cx="2160240" cy="1368152"/>
+          </a:xfrm>
+          <a:prstGeom prst="rect">
+            <a:avLst/>
+          </a:prstGeom>
+        </p:spPr>
+        <p:style>
+          <a:lnRef idx="2">
+            <a:schemeClr val="accent1">
+              <a:shade val="50000"/>
+            </a:schemeClr>
+          </a:lnRef>
+          <a:fillRef idx="1">
+            <a:schemeClr val="accent1"/>
+          </a:fillRef>
+          <a:effectRef idx="0">
+            <a:schemeClr val="accent1"/>
+          </a:effectRef>
+          <a:fontRef idx="minor">
+            <a:schemeClr val="lt1"/>
+          </a:fontRef>
+        </p:style>
+        <p:txBody>
+          <a:bodyPr rtlCol="0" anchor="ctr"/>
+          <a:lstStyle/>
+          <a:p>
+            <a:pPr algn="ctr"/>
+            <a:r>
+              <a:rPr lang="pt-BR" dirty="0" err="1"/>
+              <a:t>Model</a:t>
+            </a:r>
+            <a:endParaRPr lang="pt-BR" dirty="0"/>
+          </a:p>
+          <a:p>
+            <a:pPr algn="ctr"/>
+            <a:r>
+              <a:rPr lang="pt-BR" dirty="0"/>
+              <a:t>(</a:t>
+            </a:r>
+            <a:r>
+              <a:rPr lang="pt-BR" dirty="0" err="1"/>
+              <a:t>Ex</a:t>
+            </a:r>
+            <a:r>
+              <a:rPr lang="pt-BR" dirty="0"/>
+              <a:t>: Serviços, DAO, ...)</a:t>
+            </a:r>
+          </a:p>
+        </p:txBody>
+      </p:sp>
+      <p:cxnSp>
+        <p:nvCxnSpPr>
+          <p:cNvPr id="10" name="Conector: Angulado 9">
+            <a:extLst>
+              <a:ext uri="{FF2B5EF4-FFF2-40B4-BE49-F238E27FC236}">
+                <a16:creationId xmlns:a16="http://schemas.microsoft.com/office/drawing/2014/main" id="{73FD3F43-5A5F-4302-9934-97AF3FECD2FC}"/>
+              </a:ext>
+            </a:extLst>
+          </p:cNvPr>
+          <p:cNvCxnSpPr>
+            <a:cxnSpLocks/>
+          </p:cNvCxnSpPr>
+          <p:nvPr/>
+        </p:nvCxnSpPr>
+        <p:spPr>
+          <a:xfrm flipV="1">
+            <a:off x="2879825" y="2602985"/>
+            <a:ext cx="2338811" cy="843372"/>
+          </a:xfrm>
+          <a:prstGeom prst="bentConnector3">
+            <a:avLst>
+              <a:gd name="adj1" fmla="val -826"/>
+            </a:avLst>
+          </a:prstGeom>
+          <a:ln>
+            <a:tailEnd type="triangle"/>
+          </a:ln>
+        </p:spPr>
+        <p:style>
+          <a:lnRef idx="3">
+            <a:schemeClr val="dk1"/>
+          </a:lnRef>
+          <a:fillRef idx="0">
+            <a:schemeClr val="dk1"/>
+          </a:fillRef>
+          <a:effectRef idx="2">
+            <a:schemeClr val="dk1"/>
+          </a:effectRef>
+          <a:fontRef idx="minor">
+            <a:schemeClr val="tx1"/>
+          </a:fontRef>
+        </p:style>
+      </p:cxnSp>
+      <p:cxnSp>
+        <p:nvCxnSpPr>
+          <p:cNvPr id="15" name="Conector de Seta Reta 14">
+            <a:extLst>
+              <a:ext uri="{FF2B5EF4-FFF2-40B4-BE49-F238E27FC236}">
+                <a16:creationId xmlns:a16="http://schemas.microsoft.com/office/drawing/2014/main" id="{16F316EA-6863-4809-88C5-9A399E65EFFA}"/>
+              </a:ext>
+            </a:extLst>
+          </p:cNvPr>
+          <p:cNvCxnSpPr/>
+          <p:nvPr/>
+        </p:nvCxnSpPr>
+        <p:spPr>
+          <a:xfrm>
+            <a:off x="5722692" y="3717032"/>
+            <a:ext cx="0" cy="1080120"/>
+          </a:xfrm>
+          <a:prstGeom prst="straightConnector1">
+            <a:avLst/>
+          </a:prstGeom>
+          <a:ln>
+            <a:tailEnd type="triangle"/>
+          </a:ln>
+        </p:spPr>
+        <p:style>
+          <a:lnRef idx="3">
+            <a:schemeClr val="dk1"/>
+          </a:lnRef>
+          <a:fillRef idx="0">
+            <a:schemeClr val="dk1"/>
+          </a:fillRef>
+          <a:effectRef idx="2">
+            <a:schemeClr val="dk1"/>
+          </a:effectRef>
+          <a:fontRef idx="minor">
+            <a:schemeClr val="tx1"/>
+          </a:fontRef>
+        </p:style>
+      </p:cxnSp>
+      <p:cxnSp>
+        <p:nvCxnSpPr>
+          <p:cNvPr id="16" name="Conector de Seta Reta 15">
+            <a:extLst>
+              <a:ext uri="{FF2B5EF4-FFF2-40B4-BE49-F238E27FC236}">
+                <a16:creationId xmlns:a16="http://schemas.microsoft.com/office/drawing/2014/main" id="{678DD1C4-1C6D-47CC-89E3-86CAE4F0E553}"/>
+              </a:ext>
+            </a:extLst>
+          </p:cNvPr>
+          <p:cNvCxnSpPr>
+            <a:cxnSpLocks/>
+          </p:cNvCxnSpPr>
+          <p:nvPr/>
+        </p:nvCxnSpPr>
+        <p:spPr>
+          <a:xfrm flipV="1">
+            <a:off x="6730804" y="3717032"/>
+            <a:ext cx="0" cy="1080120"/>
+          </a:xfrm>
+          <a:prstGeom prst="straightConnector1">
+            <a:avLst/>
+          </a:prstGeom>
+          <a:ln>
+            <a:tailEnd type="triangle"/>
+          </a:ln>
+        </p:spPr>
+        <p:style>
+          <a:lnRef idx="3">
+            <a:schemeClr val="dk1"/>
+          </a:lnRef>
+          <a:fillRef idx="0">
+            <a:schemeClr val="dk1"/>
+          </a:fillRef>
+          <a:effectRef idx="2">
+            <a:schemeClr val="dk1"/>
+          </a:effectRef>
+          <a:fontRef idx="minor">
+            <a:schemeClr val="tx1"/>
+          </a:fontRef>
+        </p:style>
+      </p:cxnSp>
+      <p:sp>
+        <p:nvSpPr>
+          <p:cNvPr id="23" name="Fluxograma: Disco Magnético 22">
+            <a:extLst>
+              <a:ext uri="{FF2B5EF4-FFF2-40B4-BE49-F238E27FC236}">
+                <a16:creationId xmlns:a16="http://schemas.microsoft.com/office/drawing/2014/main" id="{1792F822-4AC5-4D8B-A885-4FB7ECCD174E}"/>
+              </a:ext>
+            </a:extLst>
+          </p:cNvPr>
+          <p:cNvSpPr/>
+          <p:nvPr/>
+        </p:nvSpPr>
+        <p:spPr>
+          <a:xfrm>
+            <a:off x="7956376" y="5013176"/>
+            <a:ext cx="864096" cy="936104"/>
+          </a:xfrm>
+          <a:prstGeom prst="flowChartMagneticDisk">
+            <a:avLst/>
+          </a:prstGeom>
+        </p:spPr>
+        <p:style>
+          <a:lnRef idx="2">
+            <a:schemeClr val="accent1">
+              <a:shade val="50000"/>
+            </a:schemeClr>
+          </a:lnRef>
+          <a:fillRef idx="1">
+            <a:schemeClr val="accent1"/>
+          </a:fillRef>
+          <a:effectRef idx="0">
+            <a:schemeClr val="accent1"/>
+          </a:effectRef>
+          <a:fontRef idx="minor">
+            <a:schemeClr val="lt1"/>
+          </a:fontRef>
+        </p:style>
+        <p:txBody>
+          <a:bodyPr rtlCol="0" anchor="ctr"/>
+          <a:lstStyle/>
+          <a:p>
+            <a:pPr algn="ctr"/>
+            <a:r>
+              <a:rPr lang="pt-BR" dirty="0"/>
+              <a:t>BD</a:t>
+            </a:r>
+          </a:p>
+        </p:txBody>
+      </p:sp>
+      <p:cxnSp>
+        <p:nvCxnSpPr>
+          <p:cNvPr id="25" name="Conector de Seta Reta 24">
+            <a:extLst>
+              <a:ext uri="{FF2B5EF4-FFF2-40B4-BE49-F238E27FC236}">
+                <a16:creationId xmlns:a16="http://schemas.microsoft.com/office/drawing/2014/main" id="{606A1DCE-1CE3-4803-B6D1-B59E482D493F}"/>
+              </a:ext>
+            </a:extLst>
+          </p:cNvPr>
+          <p:cNvCxnSpPr>
+            <a:cxnSpLocks/>
+            <a:stCxn id="6" idx="3"/>
+            <a:endCxn id="23" idx="2"/>
+          </p:cNvCxnSpPr>
+          <p:nvPr/>
+        </p:nvCxnSpPr>
+        <p:spPr>
+          <a:xfrm>
+            <a:off x="7378876" y="5481228"/>
+            <a:ext cx="577500" cy="0"/>
+          </a:xfrm>
+          <a:prstGeom prst="straightConnector1">
+            <a:avLst/>
+          </a:prstGeom>
+          <a:ln>
+            <a:headEnd type="triangle"/>
+            <a:tailEnd type="triangle"/>
+          </a:ln>
+        </p:spPr>
+        <p:style>
+          <a:lnRef idx="3">
+            <a:schemeClr val="dk1"/>
+          </a:lnRef>
+          <a:fillRef idx="0">
+            <a:schemeClr val="dk1"/>
+          </a:fillRef>
+          <a:effectRef idx="2">
+            <a:schemeClr val="dk1"/>
+          </a:effectRef>
+          <a:fontRef idx="minor">
+            <a:schemeClr val="tx1"/>
+          </a:fontRef>
+        </p:style>
+      </p:cxnSp>
+      <p:sp>
+        <p:nvSpPr>
+          <p:cNvPr id="32" name="Retângulo 31">
+            <a:extLst>
+              <a:ext uri="{FF2B5EF4-FFF2-40B4-BE49-F238E27FC236}">
+                <a16:creationId xmlns:a16="http://schemas.microsoft.com/office/drawing/2014/main" id="{C0508075-F80A-4AF0-8D9C-401738084158}"/>
+              </a:ext>
+            </a:extLst>
+          </p:cNvPr>
+          <p:cNvSpPr/>
+          <p:nvPr/>
+        </p:nvSpPr>
+        <p:spPr>
+          <a:xfrm>
+            <a:off x="286596" y="3733996"/>
+            <a:ext cx="1043608" cy="792088"/>
+          </a:xfrm>
+          <a:prstGeom prst="rect">
+            <a:avLst/>
+          </a:prstGeom>
+        </p:spPr>
+        <p:style>
+          <a:lnRef idx="2">
+            <a:schemeClr val="accent1">
+              <a:shade val="50000"/>
+            </a:schemeClr>
+          </a:lnRef>
+          <a:fillRef idx="1">
+            <a:schemeClr val="accent1"/>
+          </a:fillRef>
+          <a:effectRef idx="0">
+            <a:schemeClr val="accent1"/>
+          </a:effectRef>
+          <a:fontRef idx="minor">
+            <a:schemeClr val="lt1"/>
+          </a:fontRef>
+        </p:style>
+        <p:txBody>
+          <a:bodyPr rtlCol="0" anchor="ctr"/>
+          <a:lstStyle/>
+          <a:p>
+            <a:pPr algn="ctr"/>
+            <a:r>
+              <a:rPr lang="pt-BR" dirty="0"/>
+              <a:t>Usuário</a:t>
+            </a:r>
+          </a:p>
+        </p:txBody>
+      </p:sp>
+      <p:cxnSp>
+        <p:nvCxnSpPr>
+          <p:cNvPr id="34" name="Conector de Seta Reta 33">
+            <a:extLst>
+              <a:ext uri="{FF2B5EF4-FFF2-40B4-BE49-F238E27FC236}">
+                <a16:creationId xmlns:a16="http://schemas.microsoft.com/office/drawing/2014/main" id="{3755C65A-7D5F-48A7-82CD-86293EDD2939}"/>
+              </a:ext>
+            </a:extLst>
+          </p:cNvPr>
+          <p:cNvCxnSpPr>
+            <a:cxnSpLocks/>
+            <a:stCxn id="32" idx="3"/>
+          </p:cNvCxnSpPr>
+          <p:nvPr/>
+        </p:nvCxnSpPr>
+        <p:spPr>
+          <a:xfrm>
+            <a:off x="1330204" y="4130040"/>
+            <a:ext cx="541509" cy="0"/>
+          </a:xfrm>
+          <a:prstGeom prst="straightConnector1">
+            <a:avLst/>
+          </a:prstGeom>
+          <a:ln>
+            <a:headEnd type="triangle"/>
+            <a:tailEnd type="triangle"/>
+          </a:ln>
+        </p:spPr>
+        <p:style>
+          <a:lnRef idx="3">
+            <a:schemeClr val="dk1"/>
+          </a:lnRef>
+          <a:fillRef idx="0">
+            <a:schemeClr val="dk1"/>
+          </a:fillRef>
+          <a:effectRef idx="2">
+            <a:schemeClr val="dk1"/>
+          </a:effectRef>
+          <a:fontRef idx="minor">
+            <a:schemeClr val="tx1"/>
+          </a:fontRef>
+        </p:style>
+      </p:cxnSp>
+      <p:cxnSp>
+        <p:nvCxnSpPr>
+          <p:cNvPr id="38" name="Conector: Angulado 37">
+            <a:extLst>
+              <a:ext uri="{FF2B5EF4-FFF2-40B4-BE49-F238E27FC236}">
+                <a16:creationId xmlns:a16="http://schemas.microsoft.com/office/drawing/2014/main" id="{CC020E81-0EEA-46E2-8E83-3272B3683B62}"/>
+              </a:ext>
+            </a:extLst>
+          </p:cNvPr>
+          <p:cNvCxnSpPr>
+            <a:cxnSpLocks/>
+            <a:stCxn id="5" idx="1"/>
+          </p:cNvCxnSpPr>
+          <p:nvPr/>
+        </p:nvCxnSpPr>
+        <p:spPr>
+          <a:xfrm rot="10800000" flipV="1">
+            <a:off x="3346428" y="3032956"/>
+            <a:ext cx="1897648" cy="396044"/>
+          </a:xfrm>
+          <a:prstGeom prst="bentConnector3">
+            <a:avLst>
+              <a:gd name="adj1" fmla="val 99792"/>
+            </a:avLst>
+          </a:prstGeom>
+          <a:ln>
+            <a:tailEnd type="triangle"/>
+          </a:ln>
+        </p:spPr>
+        <p:style>
+          <a:lnRef idx="3">
+            <a:schemeClr val="dk1"/>
+          </a:lnRef>
+          <a:fillRef idx="0">
+            <a:schemeClr val="dk1"/>
+          </a:fillRef>
+          <a:effectRef idx="2">
+            <a:schemeClr val="dk1"/>
+          </a:effectRef>
+          <a:fontRef idx="minor">
+            <a:schemeClr val="tx1"/>
+          </a:fontRef>
+        </p:style>
+      </p:cxnSp>
+    </p:spTree>
+    <p:extLst>
+      <p:ext uri="{BB962C8B-B14F-4D97-AF65-F5344CB8AC3E}">
+        <p14:creationId xmlns:p14="http://schemas.microsoft.com/office/powerpoint/2010/main" val="3843523232"/>
+      </p:ext>
+    </p:extLst>
+  </p:cSld>
+  <p:clrMapOvr>
+    <a:masterClrMapping/>
+  </p:clrMapOvr>
+</p:sld>
+</file>
+
+<file path=ppt/slides/slide16.xml><?xml version="1.0" encoding="utf-8"?>
+<p:sld xmlns:a="http://schemas.openxmlformats.org/drawingml/2006/main" xmlns:r="http://schemas.openxmlformats.org/officeDocument/2006/relationships" xmlns:p="http://schemas.openxmlformats.org/presentationml/2006/main">
+  <p:cSld>
+    <p:spTree>
+      <p:nvGrpSpPr>
+        <p:cNvPr id="1" name=""/>
+        <p:cNvGrpSpPr/>
+        <p:nvPr/>
+      </p:nvGrpSpPr>
+      <p:grpSpPr>
+        <a:xfrm>
+          <a:off x="0" y="0"/>
+          <a:ext cx="0" cy="0"/>
+          <a:chOff x="0" y="0"/>
+          <a:chExt cx="0" cy="0"/>
+        </a:xfrm>
+      </p:grpSpPr>
+      <p:sp>
+        <p:nvSpPr>
+          <p:cNvPr id="2" name="Título 1"/>
+          <p:cNvSpPr>
+            <a:spLocks noGrp="1"/>
+          </p:cNvSpPr>
+          <p:nvPr>
+            <p:ph type="title"/>
+          </p:nvPr>
+        </p:nvSpPr>
+        <p:spPr/>
+        <p:txBody>
+          <a:bodyPr/>
+          <a:lstStyle/>
+          <a:p>
+            <a:r>
+              <a:rPr lang="pt-BR" dirty="0"/>
               <a:t>Arquitetura</a:t>
             </a:r>
-            <a:endParaRPr lang="pt-BR" dirty="0"/>
           </a:p>
         </p:txBody>
       </p:sp>
@@ -4925,351 +5634,6 @@
   <p:clrMapOvr>
     <a:masterClrMapping/>
   </p:clrMapOvr>
-  <p:timing>
-    <p:tnLst>
-      <p:par>
-        <p:cTn id="1" dur="indefinite" restart="never" nodeType="tmRoot"/>
-      </p:par>
-    </p:tnLst>
-  </p:timing>
-</p:sld>
-</file>
-
-<file path=ppt/slides/slide15.xml><?xml version="1.0" encoding="utf-8"?>
-<p:sld xmlns:a="http://schemas.openxmlformats.org/drawingml/2006/main" xmlns:r="http://schemas.openxmlformats.org/officeDocument/2006/relationships" xmlns:p="http://schemas.openxmlformats.org/presentationml/2006/main">
-  <p:cSld>
-    <p:spTree>
-      <p:nvGrpSpPr>
-        <p:cNvPr id="1" name=""/>
-        <p:cNvGrpSpPr/>
-        <p:nvPr/>
-      </p:nvGrpSpPr>
-      <p:grpSpPr>
-        <a:xfrm>
-          <a:off x="0" y="0"/>
-          <a:ext cx="0" cy="0"/>
-          <a:chOff x="0" y="0"/>
-          <a:chExt cx="0" cy="0"/>
-        </a:xfrm>
-      </p:grpSpPr>
-      <p:sp>
-        <p:nvSpPr>
-          <p:cNvPr id="2" name="Título 1"/>
-          <p:cNvSpPr>
-            <a:spLocks noGrp="1"/>
-          </p:cNvSpPr>
-          <p:nvPr>
-            <p:ph type="title"/>
-          </p:nvPr>
-        </p:nvSpPr>
-        <p:spPr/>
-        <p:txBody>
-          <a:bodyPr/>
-          <a:lstStyle/>
-          <a:p>
-            <a:r>
-              <a:rPr lang="pt-BR" dirty="0" smtClean="0"/>
-              <a:t>Exemplo</a:t>
-            </a:r>
-            <a:endParaRPr lang="pt-BR" dirty="0"/>
-          </a:p>
-        </p:txBody>
-      </p:sp>
-      <p:sp>
-        <p:nvSpPr>
-          <p:cNvPr id="3" name="Espaço Reservado para Conteúdo 2"/>
-          <p:cNvSpPr>
-            <a:spLocks noGrp="1"/>
-          </p:cNvSpPr>
-          <p:nvPr>
-            <p:ph idx="1"/>
-          </p:nvPr>
-        </p:nvSpPr>
-        <p:spPr/>
-        <p:txBody>
-          <a:bodyPr/>
-          <a:lstStyle/>
-          <a:p>
-            <a:r>
-              <a:rPr lang="pt-BR" dirty="0" err="1" smtClean="0"/>
-              <a:t>Postman</a:t>
-            </a:r>
-            <a:r>
-              <a:rPr lang="pt-BR" dirty="0" smtClean="0"/>
-              <a:t> (</a:t>
-            </a:r>
-            <a:r>
-              <a:rPr lang="pt-BR" dirty="0" err="1" smtClean="0"/>
-              <a:t>Plugin</a:t>
-            </a:r>
-            <a:r>
-              <a:rPr lang="pt-BR" dirty="0" smtClean="0"/>
-              <a:t> para </a:t>
-            </a:r>
-            <a:r>
-              <a:rPr lang="pt-BR" dirty="0" err="1" smtClean="0"/>
-              <a:t>Chrome</a:t>
-            </a:r>
-            <a:r>
-              <a:rPr lang="pt-BR" dirty="0" smtClean="0"/>
-              <a:t>)</a:t>
-            </a:r>
-          </a:p>
-          <a:p>
-            <a:pPr lvl="1"/>
-            <a:endParaRPr lang="pt-BR" dirty="0" smtClean="0"/>
-          </a:p>
-          <a:p>
-            <a:endParaRPr lang="pt-BR" dirty="0"/>
-          </a:p>
-          <a:p>
-            <a:r>
-              <a:rPr lang="pt-BR" dirty="0" err="1" smtClean="0"/>
-              <a:t>Template</a:t>
-            </a:r>
-            <a:r>
-              <a:rPr lang="pt-BR" dirty="0" smtClean="0"/>
-              <a:t> Cliente:</a:t>
-            </a:r>
-          </a:p>
-          <a:p>
-            <a:pPr lvl="1"/>
-            <a:r>
-              <a:rPr lang="pt-BR" dirty="0" smtClean="0"/>
-              <a:t>GIT;</a:t>
-            </a:r>
-            <a:endParaRPr lang="pt-BR" dirty="0"/>
-          </a:p>
-        </p:txBody>
-      </p:sp>
-    </p:spTree>
-    <p:extLst>
-      <p:ext uri="{BB962C8B-B14F-4D97-AF65-F5344CB8AC3E}">
-        <p14:creationId xmlns:p14="http://schemas.microsoft.com/office/powerpoint/2010/main" val="2329990144"/>
-      </p:ext>
-    </p:extLst>
-  </p:cSld>
-  <p:clrMapOvr>
-    <a:masterClrMapping/>
-  </p:clrMapOvr>
-  <p:timing>
-    <p:tnLst>
-      <p:par>
-        <p:cTn id="1" dur="indefinite" restart="never" nodeType="tmRoot"/>
-      </p:par>
-    </p:tnLst>
-  </p:timing>
-</p:sld>
-</file>
-
-<file path=ppt/slides/slide16.xml><?xml version="1.0" encoding="utf-8"?>
-<p:sld xmlns:a="http://schemas.openxmlformats.org/drawingml/2006/main" xmlns:r="http://schemas.openxmlformats.org/officeDocument/2006/relationships" xmlns:p="http://schemas.openxmlformats.org/presentationml/2006/main">
-  <p:cSld>
-    <p:spTree>
-      <p:nvGrpSpPr>
-        <p:cNvPr id="1" name=""/>
-        <p:cNvGrpSpPr/>
-        <p:nvPr/>
-      </p:nvGrpSpPr>
-      <p:grpSpPr>
-        <a:xfrm>
-          <a:off x="0" y="0"/>
-          <a:ext cx="0" cy="0"/>
-          <a:chOff x="0" y="0"/>
-          <a:chExt cx="0" cy="0"/>
-        </a:xfrm>
-      </p:grpSpPr>
-      <p:sp>
-        <p:nvSpPr>
-          <p:cNvPr id="2" name="Título 1"/>
-          <p:cNvSpPr>
-            <a:spLocks noGrp="1"/>
-          </p:cNvSpPr>
-          <p:nvPr>
-            <p:ph type="title"/>
-          </p:nvPr>
-        </p:nvSpPr>
-        <p:spPr/>
-        <p:txBody>
-          <a:bodyPr/>
-          <a:lstStyle/>
-          <a:p>
-            <a:r>
-              <a:rPr lang="pt-BR" dirty="0" smtClean="0"/>
-              <a:t>Exemplo</a:t>
-            </a:r>
-            <a:endParaRPr lang="pt-BR" dirty="0"/>
-          </a:p>
-        </p:txBody>
-      </p:sp>
-      <p:sp>
-        <p:nvSpPr>
-          <p:cNvPr id="3" name="Espaço Reservado para Conteúdo 2"/>
-          <p:cNvSpPr>
-            <a:spLocks noGrp="1"/>
-          </p:cNvSpPr>
-          <p:nvPr>
-            <p:ph idx="1"/>
-          </p:nvPr>
-        </p:nvSpPr>
-        <p:spPr>
-          <a:xfrm>
-            <a:off x="457200" y="1935480"/>
-            <a:ext cx="8435280" cy="4661872"/>
-          </a:xfrm>
-        </p:spPr>
-        <p:txBody>
-          <a:bodyPr>
-            <a:normAutofit fontScale="92500"/>
-          </a:bodyPr>
-          <a:lstStyle/>
-          <a:p>
-            <a:r>
-              <a:rPr lang="pt-BR" dirty="0">
-                <a:hlinkClick r:id="rId2"/>
-              </a:rPr>
-              <a:t>http://</a:t>
-            </a:r>
-            <a:r>
-              <a:rPr lang="pt-BR" dirty="0" smtClean="0">
-                <a:hlinkClick r:id="rId2"/>
-              </a:rPr>
-              <a:t>localhost:8080/template_jdbc/rest/aluno?id=1</a:t>
-            </a:r>
-            <a:endParaRPr lang="pt-BR" dirty="0" smtClean="0"/>
-          </a:p>
-          <a:p>
-            <a:endParaRPr lang="pt-BR" dirty="0" smtClean="0"/>
-          </a:p>
-          <a:p>
-            <a:r>
-              <a:rPr lang="pt-BR" dirty="0">
-                <a:hlinkClick r:id="rId3"/>
-              </a:rPr>
-              <a:t>http://</a:t>
-            </a:r>
-            <a:r>
-              <a:rPr lang="pt-BR" dirty="0" smtClean="0">
-                <a:hlinkClick r:id="rId3"/>
-              </a:rPr>
-              <a:t>localhost:8080/template_jdbc/rest/aluno/listaAluno</a:t>
-            </a:r>
-            <a:endParaRPr lang="pt-BR" dirty="0" smtClean="0"/>
-          </a:p>
-          <a:p>
-            <a:pPr lvl="1"/>
-            <a:r>
-              <a:rPr lang="pt-BR" smtClean="0"/>
-              <a:t>{"</a:t>
-            </a:r>
-            <a:r>
-              <a:rPr lang="pt-BR" dirty="0"/>
-              <a:t>nome": "Le"}</a:t>
-            </a:r>
-            <a:endParaRPr lang="pt-BR" dirty="0" smtClean="0"/>
-          </a:p>
-          <a:p>
-            <a:endParaRPr lang="pt-BR" dirty="0" smtClean="0"/>
-          </a:p>
-          <a:p>
-            <a:r>
-              <a:rPr lang="pt-BR" dirty="0">
-                <a:hlinkClick r:id="rId4"/>
-              </a:rPr>
-              <a:t>http://</a:t>
-            </a:r>
-            <a:r>
-              <a:rPr lang="pt-BR" dirty="0" smtClean="0">
-                <a:hlinkClick r:id="rId4"/>
-              </a:rPr>
-              <a:t>localhost:8080/template_jdbc/rest/aluno/save</a:t>
-            </a:r>
-            <a:endParaRPr lang="pt-BR" dirty="0" smtClean="0"/>
-          </a:p>
-          <a:p>
-            <a:pPr lvl="1"/>
-            <a:r>
-              <a:rPr lang="pt-BR" dirty="0"/>
-              <a:t>{    "</a:t>
-            </a:r>
-            <a:r>
-              <a:rPr lang="pt-BR" dirty="0" smtClean="0"/>
-              <a:t>nome</a:t>
-            </a:r>
-            <a:r>
-              <a:rPr lang="pt-BR" dirty="0"/>
-              <a:t>": "Teste",    "</a:t>
-            </a:r>
-            <a:r>
-              <a:rPr lang="pt-BR" dirty="0" err="1"/>
-              <a:t>dtNascimento</a:t>
-            </a:r>
-            <a:r>
-              <a:rPr lang="pt-BR" dirty="0"/>
-              <a:t>": "1990-11-08</a:t>
-            </a:r>
-            <a:r>
-              <a:rPr lang="pt-BR" dirty="0" smtClean="0"/>
-              <a:t>"}</a:t>
-            </a:r>
-          </a:p>
-          <a:p>
-            <a:pPr lvl="1"/>
-            <a:r>
-              <a:rPr lang="pt-BR" dirty="0"/>
-              <a:t>{	"id": 11,    "</a:t>
-            </a:r>
-            <a:r>
-              <a:rPr lang="pt-BR" dirty="0" smtClean="0"/>
-              <a:t>nome</a:t>
-            </a:r>
-            <a:r>
-              <a:rPr lang="pt-BR" dirty="0"/>
-              <a:t>": "Teste2",    "</a:t>
-            </a:r>
-            <a:r>
-              <a:rPr lang="pt-BR" dirty="0" err="1"/>
-              <a:t>dtNascimento</a:t>
-            </a:r>
-            <a:r>
-              <a:rPr lang="pt-BR" dirty="0"/>
-              <a:t>": "1990-11-08"}</a:t>
-            </a:r>
-          </a:p>
-          <a:p>
-            <a:r>
-              <a:rPr lang="pt-BR" dirty="0">
-                <a:hlinkClick r:id="rId5"/>
-              </a:rPr>
-              <a:t>http://</a:t>
-            </a:r>
-            <a:r>
-              <a:rPr lang="pt-BR" dirty="0" smtClean="0">
-                <a:hlinkClick r:id="rId5"/>
-              </a:rPr>
-              <a:t>localhost:8080/template_jdbc/rest/aluno/delete?id=11</a:t>
-            </a:r>
-            <a:endParaRPr lang="pt-BR" dirty="0" smtClean="0"/>
-          </a:p>
-        </p:txBody>
-      </p:sp>
-    </p:spTree>
-    <p:extLst>
-      <p:ext uri="{BB962C8B-B14F-4D97-AF65-F5344CB8AC3E}">
-        <p14:creationId xmlns:p14="http://schemas.microsoft.com/office/powerpoint/2010/main" val="476136056"/>
-      </p:ext>
-    </p:extLst>
-  </p:cSld>
-  <p:clrMapOvr>
-    <a:masterClrMapping/>
-  </p:clrMapOvr>
-  <p:timing>
-    <p:tnLst>
-      <p:par>
-        <p:cTn id="1" dur="indefinite" restart="never" nodeType="tmRoot"/>
-      </p:par>
-    </p:tnLst>
-  </p:timing>
 </p:sld>
 </file>
 
@@ -5302,100 +5666,371 @@
         </p:nvSpPr>
         <p:spPr/>
         <p:txBody>
-          <a:bodyPr>
-            <a:normAutofit/>
-          </a:bodyPr>
-          <a:lstStyle/>
-          <a:p>
-            <a:r>
-              <a:rPr lang="pt-BR" dirty="0" smtClean="0"/>
-              <a:t>Projeto</a:t>
-            </a:r>
+          <a:bodyPr/>
+          <a:lstStyle/>
+          <a:p>
+            <a:r>
+              <a:rPr lang="pt-BR" dirty="0"/>
+              <a:t>Exemplo</a:t>
+            </a:r>
+          </a:p>
+        </p:txBody>
+      </p:sp>
+      <p:sp>
+        <p:nvSpPr>
+          <p:cNvPr id="3" name="Espaço Reservado para Conteúdo 2"/>
+          <p:cNvSpPr>
+            <a:spLocks noGrp="1"/>
+          </p:cNvSpPr>
+          <p:nvPr>
+            <p:ph idx="1"/>
+          </p:nvPr>
+        </p:nvSpPr>
+        <p:spPr/>
+        <p:txBody>
+          <a:bodyPr/>
+          <a:lstStyle/>
+          <a:p>
+            <a:r>
+              <a:rPr lang="pt-BR" dirty="0" err="1"/>
+              <a:t>Postman</a:t>
+            </a:r>
+            <a:r>
+              <a:rPr lang="pt-BR" dirty="0"/>
+              <a:t> (</a:t>
+            </a:r>
+            <a:r>
+              <a:rPr lang="pt-BR" dirty="0" err="1"/>
+              <a:t>Plugin</a:t>
+            </a:r>
+            <a:r>
+              <a:rPr lang="pt-BR" dirty="0"/>
+              <a:t> para </a:t>
+            </a:r>
+            <a:r>
+              <a:rPr lang="pt-BR" dirty="0" err="1"/>
+              <a:t>Chrome</a:t>
+            </a:r>
+            <a:r>
+              <a:rPr lang="pt-BR" dirty="0"/>
+              <a:t>)</a:t>
+            </a:r>
+          </a:p>
+          <a:p>
+            <a:pPr lvl="1"/>
             <a:endParaRPr lang="pt-BR" dirty="0"/>
           </a:p>
-        </p:txBody>
-      </p:sp>
-      <p:sp>
-        <p:nvSpPr>
-          <p:cNvPr id="3" name="Espaço Reservado para Conteúdo 2"/>
-          <p:cNvSpPr>
-            <a:spLocks noGrp="1"/>
-          </p:cNvSpPr>
-          <p:nvPr>
-            <p:ph idx="1"/>
-          </p:nvPr>
-        </p:nvSpPr>
-        <p:spPr/>
-        <p:txBody>
-          <a:bodyPr>
-            <a:normAutofit fontScale="85000" lnSpcReduction="20000"/>
-          </a:bodyPr>
-          <a:lstStyle/>
-          <a:p>
-            <a:r>
-              <a:rPr lang="pt-BR" dirty="0" smtClean="0"/>
-              <a:t>Projeto do banco de dados;</a:t>
-            </a:r>
-          </a:p>
           <a:p>
             <a:endParaRPr lang="pt-BR" dirty="0"/>
           </a:p>
           <a:p>
             <a:r>
-              <a:rPr lang="pt-BR" dirty="0" smtClean="0"/>
-              <a:t>Implementar um banco de dados;</a:t>
-            </a:r>
-          </a:p>
-          <a:p>
-            <a:endParaRPr lang="pt-BR" dirty="0"/>
-          </a:p>
-          <a:p>
-            <a:r>
-              <a:rPr lang="pt-BR" dirty="0" smtClean="0"/>
-              <a:t>Inserir dados;</a:t>
-            </a:r>
-          </a:p>
-          <a:p>
-            <a:endParaRPr lang="pt-BR" dirty="0"/>
-          </a:p>
-          <a:p>
-            <a:r>
-              <a:rPr lang="pt-BR" dirty="0" smtClean="0"/>
-              <a:t>Criar consultas para extrair informações do banco (Fazendo uso de JOIN, HAVING, ...);</a:t>
-            </a:r>
-          </a:p>
-          <a:p>
-            <a:endParaRPr lang="pt-BR" dirty="0"/>
-          </a:p>
-          <a:p>
-            <a:r>
-              <a:rPr lang="pt-BR" dirty="0" smtClean="0"/>
-              <a:t>Aplicação WEB com REST;</a:t>
-            </a:r>
-          </a:p>
-          <a:p>
-            <a:endParaRPr lang="pt-BR" dirty="0"/>
-          </a:p>
-          <a:p>
-            <a:r>
-              <a:rPr lang="pt-BR" dirty="0" smtClean="0"/>
-              <a:t>Apresentação</a:t>
+              <a:rPr lang="pt-BR" dirty="0" err="1"/>
+              <a:t>Template</a:t>
+            </a:r>
+            <a:r>
+              <a:rPr lang="pt-BR" dirty="0"/>
+              <a:t> Cliente:</a:t>
             </a:r>
           </a:p>
           <a:p>
             <a:pPr lvl="1"/>
             <a:r>
-              <a:rPr lang="pt-BR" dirty="0" smtClean="0"/>
-              <a:t>Não precisa ser slide.</a:t>
-            </a:r>
-            <a:endParaRPr lang="pt-BR" dirty="0"/>
+              <a:rPr lang="pt-BR" dirty="0"/>
+              <a:t>GIT;</a:t>
+            </a:r>
           </a:p>
         </p:txBody>
       </p:sp>
     </p:spTree>
     <p:extLst>
       <p:ext uri="{BB962C8B-B14F-4D97-AF65-F5344CB8AC3E}">
-        <p14:creationId xmlns:p14="http://schemas.microsoft.com/office/powerpoint/2010/main" val="3827631562"/>
+        <p14:creationId xmlns:p14="http://schemas.microsoft.com/office/powerpoint/2010/main" val="2329990144"/>
+      </p:ext>
+    </p:extLst>
+  </p:cSld>
+  <p:clrMapOvr>
+    <a:masterClrMapping/>
+  </p:clrMapOvr>
+</p:sld>
+</file>
+
+<file path=ppt/slides/slide18.xml><?xml version="1.0" encoding="utf-8"?>
+<p:sld xmlns:a="http://schemas.openxmlformats.org/drawingml/2006/main" xmlns:r="http://schemas.openxmlformats.org/officeDocument/2006/relationships" xmlns:p="http://schemas.openxmlformats.org/presentationml/2006/main">
+  <p:cSld>
+    <p:spTree>
+      <p:nvGrpSpPr>
+        <p:cNvPr id="1" name=""/>
+        <p:cNvGrpSpPr/>
+        <p:nvPr/>
+      </p:nvGrpSpPr>
+      <p:grpSpPr>
+        <a:xfrm>
+          <a:off x="0" y="0"/>
+          <a:ext cx="0" cy="0"/>
+          <a:chOff x="0" y="0"/>
+          <a:chExt cx="0" cy="0"/>
+        </a:xfrm>
+      </p:grpSpPr>
+      <p:sp>
+        <p:nvSpPr>
+          <p:cNvPr id="2" name="Título 1"/>
+          <p:cNvSpPr>
+            <a:spLocks noGrp="1"/>
+          </p:cNvSpPr>
+          <p:nvPr>
+            <p:ph type="title"/>
+          </p:nvPr>
+        </p:nvSpPr>
+        <p:spPr/>
+        <p:txBody>
+          <a:bodyPr/>
+          <a:lstStyle/>
+          <a:p>
+            <a:r>
+              <a:rPr lang="pt-BR" dirty="0"/>
+              <a:t>Exemplo</a:t>
+            </a:r>
+          </a:p>
+        </p:txBody>
+      </p:sp>
+      <p:sp>
+        <p:nvSpPr>
+          <p:cNvPr id="3" name="Espaço Reservado para Conteúdo 2"/>
+          <p:cNvSpPr>
+            <a:spLocks noGrp="1"/>
+          </p:cNvSpPr>
+          <p:nvPr>
+            <p:ph idx="1"/>
+          </p:nvPr>
+        </p:nvSpPr>
+        <p:spPr>
+          <a:xfrm>
+            <a:off x="457200" y="1935480"/>
+            <a:ext cx="8435280" cy="4661872"/>
+          </a:xfrm>
+        </p:spPr>
+        <p:txBody>
+          <a:bodyPr>
+            <a:normAutofit fontScale="92500"/>
+          </a:bodyPr>
+          <a:lstStyle/>
+          <a:p>
+            <a:r>
+              <a:rPr lang="pt-BR" dirty="0">
+                <a:hlinkClick r:id="rId2"/>
+              </a:rPr>
+              <a:t>http://localhost:8080/template_jdbc/rest/aluno?id=1</a:t>
+            </a:r>
+            <a:endParaRPr lang="pt-BR" dirty="0"/>
+          </a:p>
+          <a:p>
+            <a:endParaRPr lang="pt-BR" dirty="0"/>
+          </a:p>
+          <a:p>
+            <a:r>
+              <a:rPr lang="pt-BR" dirty="0">
+                <a:hlinkClick r:id="rId3"/>
+              </a:rPr>
+              <a:t>http://localhost:8080/template_jdbc/rest/aluno/listaAluno</a:t>
+            </a:r>
+            <a:endParaRPr lang="pt-BR" dirty="0"/>
+          </a:p>
+          <a:p>
+            <a:pPr lvl="1"/>
+            <a:r>
+              <a:rPr lang="pt-BR"/>
+              <a:t>{"</a:t>
+            </a:r>
+            <a:r>
+              <a:rPr lang="pt-BR" dirty="0"/>
+              <a:t>nome": "Le"}</a:t>
+            </a:r>
+          </a:p>
+          <a:p>
+            <a:endParaRPr lang="pt-BR" dirty="0"/>
+          </a:p>
+          <a:p>
+            <a:r>
+              <a:rPr lang="pt-BR" dirty="0">
+                <a:hlinkClick r:id="rId4"/>
+              </a:rPr>
+              <a:t>http://localhost:8080/template_jdbc/rest/aluno/save</a:t>
+            </a:r>
+            <a:endParaRPr lang="pt-BR" dirty="0"/>
+          </a:p>
+          <a:p>
+            <a:pPr lvl="1"/>
+            <a:r>
+              <a:rPr lang="pt-BR" dirty="0"/>
+              <a:t>{    "nome": "Teste",    "</a:t>
+            </a:r>
+            <a:r>
+              <a:rPr lang="pt-BR" dirty="0" err="1"/>
+              <a:t>dtNascimento</a:t>
+            </a:r>
+            <a:r>
+              <a:rPr lang="pt-BR" dirty="0"/>
+              <a:t>": "1990-11-08"}</a:t>
+            </a:r>
+          </a:p>
+          <a:p>
+            <a:pPr lvl="1"/>
+            <a:r>
+              <a:rPr lang="pt-BR" dirty="0"/>
+              <a:t>{	"id": 11,    "nome": "Teste2",    "</a:t>
+            </a:r>
+            <a:r>
+              <a:rPr lang="pt-BR" dirty="0" err="1"/>
+              <a:t>dtNascimento</a:t>
+            </a:r>
+            <a:r>
+              <a:rPr lang="pt-BR" dirty="0"/>
+              <a:t>": "1990-11-08"}</a:t>
+            </a:r>
+          </a:p>
+          <a:p>
+            <a:r>
+              <a:rPr lang="pt-BR" dirty="0">
+                <a:hlinkClick r:id="rId5"/>
+              </a:rPr>
+              <a:t>http://localhost:8080/template_jdbc/rest/aluno/delete?id=11</a:t>
+            </a:r>
+            <a:endParaRPr lang="pt-BR" dirty="0"/>
+          </a:p>
+        </p:txBody>
+      </p:sp>
+    </p:spTree>
+    <p:extLst>
+      <p:ext uri="{BB962C8B-B14F-4D97-AF65-F5344CB8AC3E}">
+        <p14:creationId xmlns:p14="http://schemas.microsoft.com/office/powerpoint/2010/main" val="476136056"/>
+      </p:ext>
+    </p:extLst>
+  </p:cSld>
+  <p:clrMapOvr>
+    <a:masterClrMapping/>
+  </p:clrMapOvr>
+</p:sld>
+</file>
+
+<file path=ppt/slides/slide19.xml><?xml version="1.0" encoding="utf-8"?>
+<p:sld xmlns:a="http://schemas.openxmlformats.org/drawingml/2006/main" xmlns:r="http://schemas.openxmlformats.org/officeDocument/2006/relationships" xmlns:p="http://schemas.openxmlformats.org/presentationml/2006/main">
+  <p:cSld>
+    <p:spTree>
+      <p:nvGrpSpPr>
+        <p:cNvPr id="1" name=""/>
+        <p:cNvGrpSpPr/>
+        <p:nvPr/>
+      </p:nvGrpSpPr>
+      <p:grpSpPr>
+        <a:xfrm>
+          <a:off x="0" y="0"/>
+          <a:ext cx="0" cy="0"/>
+          <a:chOff x="0" y="0"/>
+          <a:chExt cx="0" cy="0"/>
+        </a:xfrm>
+      </p:grpSpPr>
+      <p:sp>
+        <p:nvSpPr>
+          <p:cNvPr id="2" name="Título 1">
+            <a:extLst>
+              <a:ext uri="{FF2B5EF4-FFF2-40B4-BE49-F238E27FC236}">
+                <a16:creationId xmlns:a16="http://schemas.microsoft.com/office/drawing/2014/main" id="{71C105DC-4506-4FB1-A8DA-88529BEA113B}"/>
+              </a:ext>
+            </a:extLst>
+          </p:cNvPr>
+          <p:cNvSpPr>
+            <a:spLocks noGrp="1"/>
+          </p:cNvSpPr>
+          <p:nvPr>
+            <p:ph type="title"/>
+          </p:nvPr>
+        </p:nvSpPr>
+        <p:spPr/>
+        <p:txBody>
+          <a:bodyPr/>
+          <a:lstStyle/>
+          <a:p>
+            <a:r>
+              <a:rPr lang="pt-BR" dirty="0"/>
+              <a:t>Exemplo</a:t>
+            </a:r>
+          </a:p>
+        </p:txBody>
+      </p:sp>
+      <p:sp>
+        <p:nvSpPr>
+          <p:cNvPr id="3" name="Espaço Reservado para Conteúdo 2">
+            <a:extLst>
+              <a:ext uri="{FF2B5EF4-FFF2-40B4-BE49-F238E27FC236}">
+                <a16:creationId xmlns:a16="http://schemas.microsoft.com/office/drawing/2014/main" id="{A06131AA-AEAE-4C1C-92E3-BC758C156701}"/>
+              </a:ext>
+            </a:extLst>
+          </p:cNvPr>
+          <p:cNvSpPr>
+            <a:spLocks noGrp="1"/>
+          </p:cNvSpPr>
+          <p:nvPr>
+            <p:ph idx="1"/>
+          </p:nvPr>
+        </p:nvSpPr>
+        <p:spPr/>
+        <p:txBody>
+          <a:bodyPr>
+            <a:normAutofit lnSpcReduction="10000"/>
+          </a:bodyPr>
+          <a:lstStyle/>
+          <a:p>
+            <a:r>
+              <a:rPr lang="pt-BR" dirty="0">
+                <a:hlinkClick r:id="rId2"/>
+              </a:rPr>
+              <a:t>http://localhost:8080/departamento/add?name=DAELN</a:t>
+            </a:r>
+            <a:endParaRPr lang="pt-BR" dirty="0"/>
+          </a:p>
+          <a:p>
+            <a:endParaRPr lang="pt-BR" dirty="0"/>
+          </a:p>
+          <a:p>
+            <a:r>
+              <a:rPr lang="pt-BR" dirty="0">
+                <a:hlinkClick r:id="rId3"/>
+              </a:rPr>
+              <a:t>http://localhost:8080/departamento/all</a:t>
+            </a:r>
+            <a:endParaRPr lang="pt-BR" dirty="0"/>
+          </a:p>
+          <a:p>
+            <a:endParaRPr lang="pt-BR" dirty="0"/>
+          </a:p>
+          <a:p>
+            <a:r>
+              <a:rPr lang="pt-BR" dirty="0">
+                <a:hlinkClick r:id="rId4"/>
+              </a:rPr>
+              <a:t>http://localhost:8080/departamento/allByName?name=DAEL</a:t>
+            </a:r>
+            <a:endParaRPr lang="pt-BR" dirty="0"/>
+          </a:p>
+          <a:p>
+            <a:endParaRPr lang="pt-BR" dirty="0"/>
+          </a:p>
+          <a:p>
+            <a:r>
+              <a:rPr lang="pt-BR" dirty="0">
+                <a:hlinkClick r:id="rId5"/>
+              </a:rPr>
+              <a:t>http://localhost:8080/departamento/allByNameNative?name=DAEL</a:t>
+            </a:r>
+            <a:endParaRPr lang="pt-BR" dirty="0"/>
+          </a:p>
+        </p:txBody>
+      </p:sp>
+    </p:spTree>
+    <p:extLst>
+      <p:ext uri="{BB962C8B-B14F-4D97-AF65-F5344CB8AC3E}">
+        <p14:creationId xmlns:p14="http://schemas.microsoft.com/office/powerpoint/2010/main" val="2475776570"/>
       </p:ext>
     </p:extLst>
   </p:cSld>
@@ -5438,10 +6073,9 @@
           <a:lstStyle/>
           <a:p>
             <a:r>
-              <a:rPr lang="pt-BR" dirty="0" smtClean="0"/>
+              <a:rPr lang="pt-BR" dirty="0"/>
               <a:t>Armazenar e Consumir Dados</a:t>
             </a:r>
-            <a:endParaRPr lang="pt-BR" dirty="0"/>
           </a:p>
         </p:txBody>
       </p:sp>
@@ -5474,13 +6108,136 @@
   <p:clrMapOvr>
     <a:masterClrMapping/>
   </p:clrMapOvr>
-  <p:timing>
-    <p:tnLst>
-      <p:par>
-        <p:cTn id="1" dur="indefinite" restart="never" nodeType="tmRoot"/>
-      </p:par>
-    </p:tnLst>
-  </p:timing>
+</p:sld>
+</file>
+
+<file path=ppt/slides/slide20.xml><?xml version="1.0" encoding="utf-8"?>
+<p:sld xmlns:a="http://schemas.openxmlformats.org/drawingml/2006/main" xmlns:r="http://schemas.openxmlformats.org/officeDocument/2006/relationships" xmlns:p="http://schemas.openxmlformats.org/presentationml/2006/main">
+  <p:cSld>
+    <p:spTree>
+      <p:nvGrpSpPr>
+        <p:cNvPr id="1" name=""/>
+        <p:cNvGrpSpPr/>
+        <p:nvPr/>
+      </p:nvGrpSpPr>
+      <p:grpSpPr>
+        <a:xfrm>
+          <a:off x="0" y="0"/>
+          <a:ext cx="0" cy="0"/>
+          <a:chOff x="0" y="0"/>
+          <a:chExt cx="0" cy="0"/>
+        </a:xfrm>
+      </p:grpSpPr>
+      <p:sp>
+        <p:nvSpPr>
+          <p:cNvPr id="2" name="Título 1"/>
+          <p:cNvSpPr>
+            <a:spLocks noGrp="1"/>
+          </p:cNvSpPr>
+          <p:nvPr>
+            <p:ph type="title"/>
+          </p:nvPr>
+        </p:nvSpPr>
+        <p:spPr/>
+        <p:txBody>
+          <a:bodyPr>
+            <a:normAutofit/>
+          </a:bodyPr>
+          <a:lstStyle/>
+          <a:p>
+            <a:r>
+              <a:rPr lang="pt-BR" dirty="0"/>
+              <a:t>Projeto</a:t>
+            </a:r>
+          </a:p>
+        </p:txBody>
+      </p:sp>
+      <p:sp>
+        <p:nvSpPr>
+          <p:cNvPr id="3" name="Espaço Reservado para Conteúdo 2"/>
+          <p:cNvSpPr>
+            <a:spLocks noGrp="1"/>
+          </p:cNvSpPr>
+          <p:nvPr>
+            <p:ph idx="1"/>
+          </p:nvPr>
+        </p:nvSpPr>
+        <p:spPr/>
+        <p:txBody>
+          <a:bodyPr>
+            <a:normAutofit fontScale="85000" lnSpcReduction="20000"/>
+          </a:bodyPr>
+          <a:lstStyle/>
+          <a:p>
+            <a:r>
+              <a:rPr lang="pt-BR" dirty="0"/>
+              <a:t>Projeto do banco de dados;</a:t>
+            </a:r>
+          </a:p>
+          <a:p>
+            <a:endParaRPr lang="pt-BR" dirty="0"/>
+          </a:p>
+          <a:p>
+            <a:r>
+              <a:rPr lang="pt-BR" dirty="0"/>
+              <a:t>Implementar um banco de dados;</a:t>
+            </a:r>
+          </a:p>
+          <a:p>
+            <a:endParaRPr lang="pt-BR" dirty="0"/>
+          </a:p>
+          <a:p>
+            <a:r>
+              <a:rPr lang="pt-BR" dirty="0"/>
+              <a:t>Inserir dados;</a:t>
+            </a:r>
+          </a:p>
+          <a:p>
+            <a:endParaRPr lang="pt-BR" dirty="0"/>
+          </a:p>
+          <a:p>
+            <a:r>
+              <a:rPr lang="pt-BR" dirty="0"/>
+              <a:t>Criar consultas para extrair informações do banco (Fazendo uso de JOIN, HAVING, ...);</a:t>
+            </a:r>
+          </a:p>
+          <a:p>
+            <a:endParaRPr lang="pt-BR" dirty="0"/>
+          </a:p>
+          <a:p>
+            <a:r>
+              <a:rPr lang="pt-BR" dirty="0"/>
+              <a:t>Aplicação WEB com REST;</a:t>
+            </a:r>
+          </a:p>
+          <a:p>
+            <a:endParaRPr lang="pt-BR" dirty="0"/>
+          </a:p>
+          <a:p>
+            <a:r>
+              <a:rPr lang="pt-BR" dirty="0"/>
+              <a:t>Apresentação</a:t>
+            </a:r>
+          </a:p>
+          <a:p>
+            <a:pPr lvl="1"/>
+            <a:r>
+              <a:rPr lang="pt-BR" dirty="0"/>
+              <a:t>Não precisa ser slide.</a:t>
+            </a:r>
+          </a:p>
+        </p:txBody>
+      </p:sp>
+    </p:spTree>
+    <p:extLst>
+      <p:ext uri="{BB962C8B-B14F-4D97-AF65-F5344CB8AC3E}">
+        <p14:creationId xmlns:p14="http://schemas.microsoft.com/office/powerpoint/2010/main" val="3827631562"/>
+      </p:ext>
+    </p:extLst>
+  </p:cSld>
+  <p:clrMapOvr>
+    <a:masterClrMapping/>
+  </p:clrMapOvr>
 </p:sld>
 </file>
 
@@ -5589,13 +6346,6 @@
   <p:clrMapOvr>
     <a:masterClrMapping/>
   </p:clrMapOvr>
-  <p:timing>
-    <p:tnLst>
-      <p:par>
-        <p:cTn id="1" dur="indefinite" restart="never" nodeType="tmRoot"/>
-      </p:par>
-    </p:tnLst>
-  </p:timing>
 </p:sld>
 </file>
 
@@ -5704,13 +6454,6 @@
   <p:clrMapOvr>
     <a:masterClrMapping/>
   </p:clrMapOvr>
-  <p:timing>
-    <p:tnLst>
-      <p:par>
-        <p:cTn id="1" dur="indefinite" restart="never" nodeType="tmRoot"/>
-      </p:par>
-    </p:tnLst>
-  </p:timing>
 </p:sld>
 </file>
 
@@ -5769,7 +6512,7 @@
           <a:lstStyle/>
           <a:p>
             <a:r>
-              <a:rPr lang="pt-BR" dirty="0" smtClean="0"/>
+              <a:rPr lang="pt-BR" dirty="0"/>
               <a:t>Como armazenar os dados adquiridos?</a:t>
             </a:r>
           </a:p>
@@ -5778,7 +6521,7 @@
           </a:p>
           <a:p>
             <a:r>
-              <a:rPr lang="pt-BR" dirty="0" smtClean="0"/>
+              <a:rPr lang="pt-BR" dirty="0"/>
               <a:t>Como realizar a comunicação entre diferentes plataformas  em diferentes linguagens?</a:t>
             </a:r>
           </a:p>
@@ -5787,10 +6530,9 @@
           </a:p>
           <a:p>
             <a:r>
-              <a:rPr lang="pt-BR" dirty="0" smtClean="0"/>
+              <a:rPr lang="pt-BR" dirty="0"/>
               <a:t>Como usar os dados armazenados?</a:t>
             </a:r>
-            <a:endParaRPr lang="pt-BR" dirty="0"/>
           </a:p>
         </p:txBody>
       </p:sp>
@@ -5804,13 +6546,6 @@
   <p:clrMapOvr>
     <a:masterClrMapping/>
   </p:clrMapOvr>
-  <p:timing>
-    <p:tnLst>
-      <p:par>
-        <p:cTn id="1" dur="indefinite" restart="never" nodeType="tmRoot"/>
-      </p:par>
-    </p:tnLst>
-  </p:timing>
 </p:sld>
 </file>
 
@@ -5847,7 +6582,7 @@
           <a:lstStyle/>
           <a:p>
             <a:r>
-              <a:rPr lang="pt-BR" dirty="0" err="1" smtClean="0"/>
+              <a:rPr lang="pt-BR" dirty="0" err="1"/>
               <a:t>WebServices</a:t>
             </a:r>
             <a:endParaRPr lang="pt-BR" dirty="0"/>
@@ -5872,54 +6607,38 @@
           <a:lstStyle/>
           <a:p>
             <a:r>
-              <a:rPr lang="pt-PT" dirty="0" smtClean="0"/>
-              <a:t>Fornecem um meio padrão de iteroperabilidade entre </a:t>
-            </a:r>
-            <a:r>
               <a:rPr lang="pt-PT" dirty="0"/>
-              <a:t>diferentes </a:t>
-            </a:r>
-            <a:r>
-              <a:rPr lang="pt-PT" dirty="0" smtClean="0"/>
-              <a:t>aplicações </a:t>
-            </a:r>
+              <a:t>Fornecem um meio padrão de iteroperabilidade entre diferentes aplicações de software, executando em uma variedade de plataformas e/ou estruturas;</a:t>
+            </a:r>
+          </a:p>
+          <a:p>
+            <a:pPr lvl="1"/>
             <a:r>
               <a:rPr lang="pt-PT" dirty="0"/>
-              <a:t>de software, executando em uma variedade de plataformas </a:t>
-            </a:r>
-            <a:r>
-              <a:rPr lang="pt-PT" dirty="0" smtClean="0"/>
-              <a:t>e/ou estruturas;</a:t>
+              <a:t>JAVA</a:t>
             </a:r>
           </a:p>
           <a:p>
             <a:pPr lvl="1"/>
             <a:r>
-              <a:rPr lang="pt-PT" dirty="0" smtClean="0"/>
-              <a:t>JAVA</a:t>
+              <a:rPr lang="pt-PT" dirty="0"/>
+              <a:t>JavaScript</a:t>
             </a:r>
           </a:p>
           <a:p>
             <a:pPr lvl="1"/>
             <a:r>
-              <a:rPr lang="pt-PT" dirty="0" smtClean="0"/>
-              <a:t>JavaScript</a:t>
+              <a:rPr lang="pt-PT" dirty="0"/>
+              <a:t>Python</a:t>
             </a:r>
           </a:p>
           <a:p>
             <a:pPr lvl="1"/>
             <a:r>
-              <a:rPr lang="pt-PT" dirty="0" smtClean="0"/>
-              <a:t>Python</a:t>
-            </a:r>
-          </a:p>
-          <a:p>
-            <a:pPr lvl="1"/>
-            <a:r>
-              <a:rPr lang="pt-PT" dirty="0" smtClean="0"/>
+              <a:rPr lang="pt-PT" dirty="0"/>
               <a:t>...</a:t>
             </a:r>
-            <a:endParaRPr lang="pt-BR" dirty="0" smtClean="0"/>
+            <a:endParaRPr lang="pt-BR" dirty="0"/>
           </a:p>
           <a:p>
             <a:endParaRPr lang="pt-BR" dirty="0"/>
@@ -5975,17 +6694,16 @@
           </a:p>
           <a:p>
             <a:r>
-              <a:rPr lang="pt-BR" dirty="0" smtClean="0"/>
+              <a:rPr lang="pt-BR" dirty="0"/>
               <a:t>Diferentes formatos:</a:t>
             </a:r>
           </a:p>
           <a:p>
             <a:pPr lvl="1"/>
             <a:r>
-              <a:rPr lang="pt-BR" dirty="0" smtClean="0"/>
+              <a:rPr lang="pt-BR" dirty="0"/>
               <a:t>XML, JSON, HTML etc...</a:t>
             </a:r>
-            <a:endParaRPr lang="pt-BR" dirty="0"/>
           </a:p>
         </p:txBody>
       </p:sp>
@@ -6022,13 +6740,6 @@
   <p:clrMapOvr>
     <a:masterClrMapping/>
   </p:clrMapOvr>
-  <p:timing>
-    <p:tnLst>
-      <p:par>
-        <p:cTn id="1" dur="indefinite" restart="never" nodeType="tmRoot"/>
-      </p:par>
-    </p:tnLst>
-  </p:timing>
 </p:sld>
 </file>
 
@@ -6067,7 +6778,7 @@
           <a:lstStyle/>
           <a:p>
             <a:r>
-              <a:rPr lang="pt-BR" dirty="0" err="1" smtClean="0"/>
+              <a:rPr lang="pt-BR" dirty="0" err="1"/>
               <a:t>Rest</a:t>
             </a:r>
             <a:endParaRPr lang="pt-BR" dirty="0"/>
@@ -6120,7 +6831,7 @@
               <a:t>REST</a:t>
             </a:r>
             <a:r>
-              <a:rPr lang="pt-BR" dirty="0" smtClean="0"/>
+              <a:rPr lang="pt-BR" dirty="0"/>
               <a:t>);</a:t>
             </a:r>
           </a:p>
@@ -6129,7 +6840,7 @@
           </a:p>
           <a:p>
             <a:r>
-              <a:rPr lang="pt-BR" dirty="0" smtClean="0"/>
+              <a:rPr lang="pt-BR" dirty="0"/>
               <a:t>As chamadas de funções são executadas por solicitações HTTP;</a:t>
             </a:r>
           </a:p>
@@ -6222,13 +6933,6 @@
   <p:clrMapOvr>
     <a:masterClrMapping/>
   </p:clrMapOvr>
-  <p:timing>
-    <p:tnLst>
-      <p:par>
-        <p:cTn id="1" dur="indefinite" restart="never" nodeType="tmRoot"/>
-      </p:par>
-    </p:tnLst>
-  </p:timing>
 </p:sld>
 </file>
 
@@ -6267,7 +6971,7 @@
           <a:lstStyle/>
           <a:p>
             <a:r>
-              <a:rPr lang="pt-BR" dirty="0" err="1" smtClean="0"/>
+              <a:rPr lang="pt-BR" dirty="0" err="1"/>
               <a:t>Rest</a:t>
             </a:r>
             <a:endParaRPr lang="pt-BR" dirty="0"/>
@@ -6292,14 +6996,14 @@
           <a:lstStyle/>
           <a:p>
             <a:r>
-              <a:rPr lang="pt-BR" dirty="0" smtClean="0"/>
+              <a:rPr lang="pt-BR" dirty="0"/>
               <a:t>Protocolo HTTP:</a:t>
             </a:r>
           </a:p>
           <a:p>
             <a:pPr lvl="1"/>
             <a:r>
-              <a:rPr lang="pt-BR" dirty="0" smtClean="0">
+              <a:rPr lang="pt-BR" dirty="0">
                 <a:solidFill>
                   <a:srgbClr val="FF0000"/>
                 </a:solidFill>
@@ -6310,7 +7014,7 @@
           <a:p>
             <a:pPr lvl="2"/>
             <a:r>
-              <a:rPr lang="pt-BR" dirty="0" smtClean="0">
+              <a:rPr lang="pt-BR" dirty="0">
                 <a:solidFill>
                   <a:srgbClr val="FF0000"/>
                 </a:solidFill>
@@ -6320,7 +7024,7 @@
           </a:p>
           <a:p>
             <a:pPr lvl="2"/>
-            <a:endParaRPr lang="pt-BR" dirty="0" smtClean="0">
+            <a:endParaRPr lang="pt-BR" dirty="0">
               <a:solidFill>
                 <a:srgbClr val="FF0000"/>
               </a:solidFill>
@@ -6329,7 +7033,7 @@
           <a:p>
             <a:pPr lvl="1"/>
             <a:r>
-              <a:rPr lang="pt-BR" dirty="0" smtClean="0">
+              <a:rPr lang="pt-BR" dirty="0">
                 <a:solidFill>
                   <a:srgbClr val="FF0000"/>
                 </a:solidFill>
@@ -6340,7 +7044,7 @@
           <a:p>
             <a:pPr lvl="2"/>
             <a:r>
-              <a:rPr lang="pt-BR" dirty="0" smtClean="0">
+              <a:rPr lang="pt-BR" dirty="0">
                 <a:solidFill>
                   <a:srgbClr val="FF0000"/>
                 </a:solidFill>
@@ -6355,14 +7059,14 @@
           <a:p>
             <a:pPr lvl="1"/>
             <a:r>
-              <a:rPr lang="pt-BR" dirty="0" smtClean="0"/>
+              <a:rPr lang="pt-BR" dirty="0"/>
               <a:t>PUT:</a:t>
             </a:r>
           </a:p>
           <a:p>
             <a:pPr lvl="2"/>
             <a:r>
-              <a:rPr lang="pt-BR" dirty="0" smtClean="0"/>
+              <a:rPr lang="pt-BR" dirty="0"/>
               <a:t>Atualizar dados;</a:t>
             </a:r>
           </a:p>
@@ -6373,14 +7077,14 @@
           <a:p>
             <a:pPr lvl="1"/>
             <a:r>
-              <a:rPr lang="pt-BR" dirty="0" smtClean="0"/>
+              <a:rPr lang="pt-BR" dirty="0"/>
               <a:t>DELETE:</a:t>
             </a:r>
           </a:p>
           <a:p>
             <a:pPr lvl="2"/>
             <a:r>
-              <a:rPr lang="pt-BR" dirty="0" smtClean="0"/>
+              <a:rPr lang="pt-BR" dirty="0"/>
               <a:t>Remover dados;</a:t>
             </a:r>
           </a:p>
@@ -6419,13 +7123,6 @@
   <p:clrMapOvr>
     <a:masterClrMapping/>
   </p:clrMapOvr>
-  <p:timing>
-    <p:tnLst>
-      <p:par>
-        <p:cTn id="1" dur="indefinite" restart="never" nodeType="tmRoot"/>
-      </p:par>
-    </p:tnLst>
-  </p:timing>
 </p:sld>
 </file>
 
@@ -6462,7 +7159,7 @@
           <a:lstStyle/>
           <a:p>
             <a:r>
-              <a:rPr lang="pt-BR" dirty="0" err="1" smtClean="0"/>
+              <a:rPr lang="pt-BR" dirty="0" err="1"/>
               <a:t>Rest</a:t>
             </a:r>
             <a:endParaRPr lang="pt-BR" dirty="0"/>
@@ -6535,13 +7232,6 @@
   <p:clrMapOvr>
     <a:masterClrMapping/>
   </p:clrMapOvr>
-  <p:timing>
-    <p:tnLst>
-      <p:par>
-        <p:cTn id="1" dur="indefinite" restart="never" nodeType="tmRoot"/>
-      </p:par>
-    </p:tnLst>
-  </p:timing>
 </p:sld>
 </file>
 

--- a/Aula03.pptx
+++ b/Aula03.pptx
@@ -315,7 +315,7 @@
           <a:p>
             <a:fld id="{2E700DB3-DBF0-4086-B675-117E7A9610B8}" type="datetimeFigureOut">
               <a:rPr lang="pt-BR" smtClean="0"/>
-              <a:t>19/11/2018</a:t>
+              <a:t>20/11/2018</a:t>
             </a:fld>
             <a:endParaRPr lang="pt-BR"/>
           </a:p>
@@ -480,7 +480,7 @@
           <a:p>
             <a:fld id="{2E700DB3-DBF0-4086-B675-117E7A9610B8}" type="datetimeFigureOut">
               <a:rPr lang="pt-BR" smtClean="0"/>
-              <a:t>19/11/2018</a:t>
+              <a:t>20/11/2018</a:t>
             </a:fld>
             <a:endParaRPr lang="pt-BR"/>
           </a:p>
@@ -655,7 +655,7 @@
           <a:p>
             <a:fld id="{2E700DB3-DBF0-4086-B675-117E7A9610B8}" type="datetimeFigureOut">
               <a:rPr lang="pt-BR" smtClean="0"/>
-              <a:t>19/11/2018</a:t>
+              <a:t>20/11/2018</a:t>
             </a:fld>
             <a:endParaRPr lang="pt-BR"/>
           </a:p>
@@ -820,7 +820,7 @@
           <a:p>
             <a:fld id="{2E700DB3-DBF0-4086-B675-117E7A9610B8}" type="datetimeFigureOut">
               <a:rPr lang="pt-BR" smtClean="0"/>
-              <a:t>19/11/2018</a:t>
+              <a:t>20/11/2018</a:t>
             </a:fld>
             <a:endParaRPr lang="pt-BR"/>
           </a:p>
@@ -1062,7 +1062,7 @@
           <a:p>
             <a:fld id="{2E700DB3-DBF0-4086-B675-117E7A9610B8}" type="datetimeFigureOut">
               <a:rPr lang="pt-BR" smtClean="0"/>
-              <a:t>19/11/2018</a:t>
+              <a:t>20/11/2018</a:t>
             </a:fld>
             <a:endParaRPr lang="pt-BR"/>
           </a:p>
@@ -1326,7 +1326,7 @@
           <a:p>
             <a:fld id="{2E700DB3-DBF0-4086-B675-117E7A9610B8}" type="datetimeFigureOut">
               <a:rPr lang="pt-BR" smtClean="0"/>
-              <a:t>19/11/2018</a:t>
+              <a:t>20/11/2018</a:t>
             </a:fld>
             <a:endParaRPr lang="pt-BR"/>
           </a:p>
@@ -1704,7 +1704,7 @@
           <a:p>
             <a:fld id="{2E700DB3-DBF0-4086-B675-117E7A9610B8}" type="datetimeFigureOut">
               <a:rPr lang="pt-BR" smtClean="0"/>
-              <a:t>19/11/2018</a:t>
+              <a:t>20/11/2018</a:t>
             </a:fld>
             <a:endParaRPr lang="pt-BR"/>
           </a:p>
@@ -1854,7 +1854,7 @@
           <a:p>
             <a:fld id="{2E700DB3-DBF0-4086-B675-117E7A9610B8}" type="datetimeFigureOut">
               <a:rPr lang="pt-BR" smtClean="0"/>
-              <a:t>19/11/2018</a:t>
+              <a:t>20/11/2018</a:t>
             </a:fld>
             <a:endParaRPr lang="pt-BR"/>
           </a:p>
@@ -1944,7 +1944,7 @@
           <a:p>
             <a:fld id="{2E700DB3-DBF0-4086-B675-117E7A9610B8}" type="datetimeFigureOut">
               <a:rPr lang="pt-BR" smtClean="0"/>
-              <a:t>19/11/2018</a:t>
+              <a:t>20/11/2018</a:t>
             </a:fld>
             <a:endParaRPr lang="pt-BR"/>
           </a:p>
@@ -2205,7 +2205,7 @@
           <a:p>
             <a:fld id="{2E700DB3-DBF0-4086-B675-117E7A9610B8}" type="datetimeFigureOut">
               <a:rPr lang="pt-BR" smtClean="0"/>
-              <a:t>19/11/2018</a:t>
+              <a:t>20/11/2018</a:t>
             </a:fld>
             <a:endParaRPr lang="pt-BR"/>
           </a:p>
@@ -2493,7 +2493,7 @@
           <a:p>
             <a:fld id="{2E700DB3-DBF0-4086-B675-117E7A9610B8}" type="datetimeFigureOut">
               <a:rPr lang="pt-BR" smtClean="0"/>
-              <a:t>19/11/2018</a:t>
+              <a:t>20/11/2018</a:t>
             </a:fld>
             <a:endParaRPr lang="pt-BR"/>
           </a:p>
@@ -3264,7 +3264,7 @@
           <a:p>
             <a:fld id="{2E700DB3-DBF0-4086-B675-117E7A9610B8}" type="datetimeFigureOut">
               <a:rPr lang="pt-BR" smtClean="0"/>
-              <a:t>19/11/2018</a:t>
+              <a:t>20/11/2018</a:t>
             </a:fld>
             <a:endParaRPr lang="pt-BR"/>
           </a:p>
@@ -4125,7 +4125,15 @@
             </a:r>
             <a:r>
               <a:rPr lang="pt-BR" dirty="0"/>
-              <a:t> openjdk-8-jre-headless </a:t>
+              <a:t> </a:t>
+            </a:r>
+            <a:r>
+              <a:rPr lang="pt-BR" u="sng" dirty="0"/>
+              <a:t>openjdk-8-jdk-headless</a:t>
+            </a:r>
+            <a:r>
+              <a:rPr lang="pt-BR" dirty="0"/>
+              <a:t> </a:t>
             </a:r>
           </a:p>
           <a:p>
@@ -4618,7 +4626,7 @@
         <p:spPr/>
         <p:txBody>
           <a:bodyPr>
-            <a:normAutofit fontScale="92500" lnSpcReduction="10000"/>
+            <a:normAutofit fontScale="77500" lnSpcReduction="20000"/>
           </a:bodyPr>
           <a:lstStyle/>
           <a:p>
@@ -4647,44 +4655,11 @@
           </a:p>
           <a:p>
             <a:pPr lvl="1"/>
-            <a:endParaRPr lang="pt-BR" dirty="0"/>
-          </a:p>
-          <a:p>
-            <a:r>
-              <a:rPr lang="pt-BR" dirty="0" err="1"/>
-              <a:t>Rest</a:t>
-            </a:r>
-            <a:r>
-              <a:rPr lang="pt-BR" dirty="0"/>
-              <a:t> </a:t>
-            </a:r>
-            <a:r>
-              <a:rPr lang="pt-BR" dirty="0" err="1"/>
-              <a:t>WebServices</a:t>
-            </a:r>
-            <a:endParaRPr lang="pt-BR" dirty="0"/>
-          </a:p>
-          <a:p>
-            <a:pPr lvl="1"/>
-            <a:r>
-              <a:rPr lang="pt-BR" dirty="0"/>
-              <a:t>FLASK - </a:t>
-            </a:r>
             <a:r>
               <a:rPr lang="pt-BR" dirty="0">
                 <a:hlinkClick r:id="rId3"/>
               </a:rPr>
-              <a:t>http://flask.pocoo.org/</a:t>
-            </a:r>
-            <a:endParaRPr lang="pt-BR" dirty="0"/>
-          </a:p>
-          <a:p>
-            <a:endParaRPr lang="pt-BR" dirty="0"/>
-          </a:p>
-          <a:p>
-            <a:r>
-              <a:rPr lang="pt-BR" dirty="0" err="1"/>
-              <a:t>Django</a:t>
+              <a:t>http://www.mysqltutorial.org/python-mysql/</a:t>
             </a:r>
             <a:endParaRPr lang="pt-BR" dirty="0"/>
           </a:p>
@@ -4694,7 +4669,7 @@
               <a:rPr lang="pt-BR" dirty="0">
                 <a:hlinkClick r:id="rId4"/>
               </a:rPr>
-              <a:t>https://www.djangoproject.com/</a:t>
+              <a:t>https://www.w3schools.com/python/python_mysql_getstarted.asp</a:t>
             </a:r>
             <a:endParaRPr lang="pt-BR" dirty="0"/>
           </a:p>
@@ -4703,12 +4678,93 @@
             <a:endParaRPr lang="pt-BR" dirty="0"/>
           </a:p>
           <a:p>
+            <a:r>
+              <a:rPr lang="pt-BR" dirty="0" err="1"/>
+              <a:t>Rest</a:t>
+            </a:r>
+            <a:r>
+              <a:rPr lang="pt-BR" dirty="0"/>
+              <a:t> </a:t>
+            </a:r>
+            <a:r>
+              <a:rPr lang="pt-BR" dirty="0" err="1"/>
+              <a:t>WebServices</a:t>
+            </a:r>
+            <a:endParaRPr lang="pt-BR" dirty="0"/>
+          </a:p>
+          <a:p>
+            <a:pPr lvl="1"/>
+            <a:r>
+              <a:rPr lang="pt-BR" dirty="0"/>
+              <a:t>FLASK - </a:t>
+            </a:r>
             <a:r>
               <a:rPr lang="pt-BR" dirty="0">
                 <a:hlinkClick r:id="rId5"/>
               </a:rPr>
-              <a:t>http://www.mysqltutorial.org/python-mysql/</a:t>
-            </a:r>
+              <a:t>http://flask.pocoo.org/</a:t>
+            </a:r>
+            <a:endParaRPr lang="pt-BR" dirty="0"/>
+          </a:p>
+          <a:p>
+            <a:pPr lvl="1"/>
+            <a:r>
+              <a:rPr lang="pt-BR" dirty="0"/>
+              <a:t>https://code.visualstudio.com/docs/python/tutorial-flask</a:t>
+            </a:r>
+          </a:p>
+          <a:p>
+            <a:endParaRPr lang="pt-BR" dirty="0"/>
+          </a:p>
+          <a:p>
+            <a:r>
+              <a:rPr lang="pt-BR" dirty="0" err="1"/>
+              <a:t>Django</a:t>
+            </a:r>
+            <a:endParaRPr lang="pt-BR" dirty="0"/>
+          </a:p>
+          <a:p>
+            <a:pPr lvl="1"/>
+            <a:r>
+              <a:rPr lang="pt-BR" dirty="0">
+                <a:hlinkClick r:id="rId6"/>
+              </a:rPr>
+              <a:t>https://www.djangoproject.com/</a:t>
+            </a:r>
+            <a:endParaRPr lang="pt-BR" dirty="0"/>
+          </a:p>
+          <a:p>
+            <a:pPr lvl="1"/>
+            <a:r>
+              <a:rPr lang="pt-BR" dirty="0">
+                <a:hlinkClick r:id="rId7"/>
+              </a:rPr>
+              <a:t>https://docs.djangoproject.com/pt-br/2.1/intro/tutorial01/</a:t>
+            </a:r>
+            <a:endParaRPr lang="pt-BR" dirty="0"/>
+          </a:p>
+          <a:p>
+            <a:pPr lvl="1"/>
+            <a:r>
+              <a:rPr lang="pt-BR" dirty="0">
+                <a:hlinkClick r:id="rId8"/>
+              </a:rPr>
+              <a:t>https://www.tutorialspoint.com/django/index.htm</a:t>
+            </a:r>
+            <a:endParaRPr lang="pt-BR" dirty="0"/>
+          </a:p>
+          <a:p>
+            <a:pPr lvl="1"/>
+            <a:r>
+              <a:rPr lang="pt-BR" dirty="0">
+                <a:hlinkClick r:id="rId9"/>
+              </a:rPr>
+              <a:t>https://code.visualstudio.com/docs/python/tutorial-django</a:t>
+            </a:r>
+            <a:endParaRPr lang="pt-BR" dirty="0"/>
+          </a:p>
+          <a:p>
+            <a:pPr lvl="1"/>
             <a:endParaRPr lang="pt-BR" dirty="0"/>
           </a:p>
           <a:p>
@@ -6280,18 +6336,47 @@
           </a:p>
         </p:txBody>
       </p:sp>
+      <p:sp>
+        <p:nvSpPr>
+          <p:cNvPr id="5" name="Espaço Reservado para Conteúdo 4">
+            <a:extLst>
+              <a:ext uri="{FF2B5EF4-FFF2-40B4-BE49-F238E27FC236}">
+                <a16:creationId xmlns:a16="http://schemas.microsoft.com/office/drawing/2014/main" id="{2077183E-7400-4677-9B1E-B66971FABE58}"/>
+              </a:ext>
+            </a:extLst>
+          </p:cNvPr>
+          <p:cNvSpPr>
+            <a:spLocks noGrp="1"/>
+          </p:cNvSpPr>
+          <p:nvPr>
+            <p:ph idx="1"/>
+          </p:nvPr>
+        </p:nvSpPr>
+        <p:spPr/>
+        <p:txBody>
+          <a:bodyPr/>
+          <a:lstStyle/>
+          <a:p>
+            <a:endParaRPr lang="pt-BR"/>
+          </a:p>
+        </p:txBody>
+      </p:sp>
       <p:pic>
         <p:nvPicPr>
-          <p:cNvPr id="4" name="Picture 2"/>
+          <p:cNvPr id="1026" name="Picture 2" descr="Imagem relacionada">
+            <a:extLst>
+              <a:ext uri="{FF2B5EF4-FFF2-40B4-BE49-F238E27FC236}">
+                <a16:creationId xmlns:a16="http://schemas.microsoft.com/office/drawing/2014/main" id="{880F8581-1939-48E2-926D-419318DE845F}"/>
+              </a:ext>
+            </a:extLst>
+          </p:cNvPr>
           <p:cNvPicPr>
-            <a:picLocks noGrp="1" noChangeAspect="1" noChangeArrowheads="1"/>
+            <a:picLocks noChangeAspect="1" noChangeArrowheads="1"/>
           </p:cNvPicPr>
-          <p:nvPr>
-            <p:ph idx="1"/>
-          </p:nvPr>
+          <p:nvPr/>
         </p:nvPicPr>
         <p:blipFill>
-          <a:blip r:embed="rId2" cstate="print">
+          <a:blip r:embed="rId2">
             <a:extLst>
               <a:ext uri="{28A0092B-C50C-407E-A947-70E740481C1C}">
                 <a14:useLocalDpi xmlns:a14="http://schemas.microsoft.com/office/drawing/2010/main" val="0"/>
@@ -6305,33 +6390,20 @@
         </p:blipFill>
         <p:spPr bwMode="auto">
           <a:xfrm>
-            <a:off x="1643700" y="2352950"/>
-            <a:ext cx="5856599" cy="3553862"/>
+            <a:off x="683568" y="2060848"/>
+            <a:ext cx="7094217" cy="4621094"/>
           </a:xfrm>
           <a:prstGeom prst="rect">
             <a:avLst/>
           </a:prstGeom>
           <a:noFill/>
-          <a:ln>
-            <a:noFill/>
-          </a:ln>
           <a:extLst>
             <a:ext uri="{909E8E84-426E-40DD-AFC4-6F175D3DCCD1}">
               <a14:hiddenFill xmlns:a14="http://schemas.microsoft.com/office/drawing/2010/main">
                 <a:solidFill>
-                  <a:schemeClr val="accent1"/>
+                  <a:srgbClr val="FFFFFF"/>
                 </a:solidFill>
               </a14:hiddenFill>
-            </a:ext>
-            <a:ext uri="{91240B29-F687-4F45-9708-019B960494DF}">
-              <a14:hiddenLine xmlns:a14="http://schemas.microsoft.com/office/drawing/2010/main" w="9525">
-                <a:solidFill>
-                  <a:schemeClr val="tx1"/>
-                </a:solidFill>
-                <a:miter lim="800000"/>
-                <a:headEnd/>
-                <a:tailEnd/>
-              </a14:hiddenLine>
             </a:ext>
           </a:extLst>
         </p:spPr>

--- a/Aula03.pptx
+++ b/Aula03.pptx
@@ -315,7 +315,7 @@
           <a:p>
             <a:fld id="{2E700DB3-DBF0-4086-B675-117E7A9610B8}" type="datetimeFigureOut">
               <a:rPr lang="pt-BR" smtClean="0"/>
-              <a:t>20/11/2018</a:t>
+              <a:t>23/11/2018</a:t>
             </a:fld>
             <a:endParaRPr lang="pt-BR"/>
           </a:p>
@@ -480,7 +480,7 @@
           <a:p>
             <a:fld id="{2E700DB3-DBF0-4086-B675-117E7A9610B8}" type="datetimeFigureOut">
               <a:rPr lang="pt-BR" smtClean="0"/>
-              <a:t>20/11/2018</a:t>
+              <a:t>23/11/2018</a:t>
             </a:fld>
             <a:endParaRPr lang="pt-BR"/>
           </a:p>
@@ -655,7 +655,7 @@
           <a:p>
             <a:fld id="{2E700DB3-DBF0-4086-B675-117E7A9610B8}" type="datetimeFigureOut">
               <a:rPr lang="pt-BR" smtClean="0"/>
-              <a:t>20/11/2018</a:t>
+              <a:t>23/11/2018</a:t>
             </a:fld>
             <a:endParaRPr lang="pt-BR"/>
           </a:p>
@@ -820,7 +820,7 @@
           <a:p>
             <a:fld id="{2E700DB3-DBF0-4086-B675-117E7A9610B8}" type="datetimeFigureOut">
               <a:rPr lang="pt-BR" smtClean="0"/>
-              <a:t>20/11/2018</a:t>
+              <a:t>23/11/2018</a:t>
             </a:fld>
             <a:endParaRPr lang="pt-BR"/>
           </a:p>
@@ -1062,7 +1062,7 @@
           <a:p>
             <a:fld id="{2E700DB3-DBF0-4086-B675-117E7A9610B8}" type="datetimeFigureOut">
               <a:rPr lang="pt-BR" smtClean="0"/>
-              <a:t>20/11/2018</a:t>
+              <a:t>23/11/2018</a:t>
             </a:fld>
             <a:endParaRPr lang="pt-BR"/>
           </a:p>
@@ -1326,7 +1326,7 @@
           <a:p>
             <a:fld id="{2E700DB3-DBF0-4086-B675-117E7A9610B8}" type="datetimeFigureOut">
               <a:rPr lang="pt-BR" smtClean="0"/>
-              <a:t>20/11/2018</a:t>
+              <a:t>23/11/2018</a:t>
             </a:fld>
             <a:endParaRPr lang="pt-BR"/>
           </a:p>
@@ -1704,7 +1704,7 @@
           <a:p>
             <a:fld id="{2E700DB3-DBF0-4086-B675-117E7A9610B8}" type="datetimeFigureOut">
               <a:rPr lang="pt-BR" smtClean="0"/>
-              <a:t>20/11/2018</a:t>
+              <a:t>23/11/2018</a:t>
             </a:fld>
             <a:endParaRPr lang="pt-BR"/>
           </a:p>
@@ -1854,7 +1854,7 @@
           <a:p>
             <a:fld id="{2E700DB3-DBF0-4086-B675-117E7A9610B8}" type="datetimeFigureOut">
               <a:rPr lang="pt-BR" smtClean="0"/>
-              <a:t>20/11/2018</a:t>
+              <a:t>23/11/2018</a:t>
             </a:fld>
             <a:endParaRPr lang="pt-BR"/>
           </a:p>
@@ -1944,7 +1944,7 @@
           <a:p>
             <a:fld id="{2E700DB3-DBF0-4086-B675-117E7A9610B8}" type="datetimeFigureOut">
               <a:rPr lang="pt-BR" smtClean="0"/>
-              <a:t>20/11/2018</a:t>
+              <a:t>23/11/2018</a:t>
             </a:fld>
             <a:endParaRPr lang="pt-BR"/>
           </a:p>
@@ -2205,7 +2205,7 @@
           <a:p>
             <a:fld id="{2E700DB3-DBF0-4086-B675-117E7A9610B8}" type="datetimeFigureOut">
               <a:rPr lang="pt-BR" smtClean="0"/>
-              <a:t>20/11/2018</a:t>
+              <a:t>23/11/2018</a:t>
             </a:fld>
             <a:endParaRPr lang="pt-BR"/>
           </a:p>
@@ -2493,7 +2493,7 @@
           <a:p>
             <a:fld id="{2E700DB3-DBF0-4086-B675-117E7A9610B8}" type="datetimeFigureOut">
               <a:rPr lang="pt-BR" smtClean="0"/>
-              <a:t>20/11/2018</a:t>
+              <a:t>23/11/2018</a:t>
             </a:fld>
             <a:endParaRPr lang="pt-BR"/>
           </a:p>
@@ -3264,7 +3264,7 @@
           <a:p>
             <a:fld id="{2E700DB3-DBF0-4086-B675-117E7A9610B8}" type="datetimeFigureOut">
               <a:rPr lang="pt-BR" smtClean="0"/>
-              <a:t>20/11/2018</a:t>
+              <a:t>23/11/2018</a:t>
             </a:fld>
             <a:endParaRPr lang="pt-BR"/>
           </a:p>
@@ -5751,30 +5751,30 @@
               <a:rPr lang="pt-BR" dirty="0" err="1"/>
               <a:t>Postman</a:t>
             </a:r>
-            <a:r>
-              <a:rPr lang="pt-BR" dirty="0"/>
-              <a:t> (</a:t>
-            </a:r>
-            <a:r>
-              <a:rPr lang="pt-BR" dirty="0" err="1"/>
-              <a:t>Plugin</a:t>
-            </a:r>
-            <a:r>
-              <a:rPr lang="pt-BR" dirty="0"/>
-              <a:t> para </a:t>
-            </a:r>
-            <a:r>
-              <a:rPr lang="pt-BR" dirty="0" err="1"/>
-              <a:t>Chrome</a:t>
-            </a:r>
-            <a:r>
-              <a:rPr lang="pt-BR" dirty="0"/>
-              <a:t>)</a:t>
-            </a:r>
+            <a:endParaRPr lang="pt-BR" dirty="0"/>
           </a:p>
           <a:p>
             <a:pPr lvl="1"/>
+            <a:r>
+              <a:rPr lang="pt-BR" dirty="0"/>
+              <a:t>https://www.getpostman.com/apps</a:t>
+            </a:r>
+          </a:p>
+          <a:p>
             <a:endParaRPr lang="pt-BR" dirty="0"/>
+          </a:p>
+          <a:p>
+            <a:r>
+              <a:rPr lang="pt-BR" dirty="0"/>
+              <a:t>SOAPUI</a:t>
+            </a:r>
+          </a:p>
+          <a:p>
+            <a:pPr lvl="1"/>
+            <a:r>
+              <a:rPr lang="pt-BR" dirty="0"/>
+              <a:t>https://www.soapui.org/downloads/soapui.html</a:t>
+            </a:r>
           </a:p>
           <a:p>
             <a:endParaRPr lang="pt-BR" dirty="0"/>
@@ -5812,7 +5812,7 @@
 </file>
 
 <file path=ppt/slides/slide18.xml><?xml version="1.0" encoding="utf-8"?>
-<p:sld xmlns:a="http://schemas.openxmlformats.org/drawingml/2006/main" xmlns:r="http://schemas.openxmlformats.org/officeDocument/2006/relationships" xmlns:p="http://schemas.openxmlformats.org/presentationml/2006/main">
+<p:sld xmlns:a="http://schemas.openxmlformats.org/drawingml/2006/main" xmlns:r="http://schemas.openxmlformats.org/officeDocument/2006/relationships" xmlns:p="http://schemas.openxmlformats.org/presentationml/2006/main" show="0">
   <p:cSld>
     <p:spTree>
       <p:nvGrpSpPr>
@@ -7238,60 +7238,59 @@
           </a:p>
         </p:txBody>
       </p:sp>
+      <p:sp>
+        <p:nvSpPr>
+          <p:cNvPr id="4" name="Espaço Reservado para Conteúdo 3">
+            <a:extLst>
+              <a:ext uri="{FF2B5EF4-FFF2-40B4-BE49-F238E27FC236}">
+                <a16:creationId xmlns:a16="http://schemas.microsoft.com/office/drawing/2014/main" id="{A071258B-FB0A-4088-9C91-8BD8A63BA2C8}"/>
+              </a:ext>
+            </a:extLst>
+          </p:cNvPr>
+          <p:cNvSpPr>
+            <a:spLocks noGrp="1"/>
+          </p:cNvSpPr>
+          <p:nvPr>
+            <p:ph idx="1"/>
+          </p:nvPr>
+        </p:nvSpPr>
+        <p:spPr/>
+        <p:txBody>
+          <a:bodyPr/>
+          <a:lstStyle/>
+          <a:p>
+            <a:endParaRPr lang="pt-BR"/>
+          </a:p>
+        </p:txBody>
+      </p:sp>
       <p:pic>
         <p:nvPicPr>
-          <p:cNvPr id="2051" name="Picture 3"/>
+          <p:cNvPr id="5" name="Imagem 4">
+            <a:extLst>
+              <a:ext uri="{FF2B5EF4-FFF2-40B4-BE49-F238E27FC236}">
+                <a16:creationId xmlns:a16="http://schemas.microsoft.com/office/drawing/2014/main" id="{B56C5D4E-F503-4B80-884D-C643AAEF07C9}"/>
+              </a:ext>
+            </a:extLst>
+          </p:cNvPr>
           <p:cNvPicPr>
-            <a:picLocks noGrp="1" noChangeAspect="1" noChangeArrowheads="1"/>
+            <a:picLocks noChangeAspect="1"/>
           </p:cNvPicPr>
-          <p:nvPr>
-            <p:ph idx="1"/>
-          </p:nvPr>
+          <p:nvPr/>
         </p:nvPicPr>
         <p:blipFill>
-          <a:blip r:embed="rId2">
-            <a:extLst>
-              <a:ext uri="{28A0092B-C50C-407E-A947-70E740481C1C}">
-                <a14:useLocalDpi xmlns:a14="http://schemas.microsoft.com/office/drawing/2010/main" val="0"/>
-              </a:ext>
-            </a:extLst>
-          </a:blip>
-          <a:srcRect/>
+          <a:blip r:embed="rId2"/>
           <a:stretch>
             <a:fillRect/>
           </a:stretch>
         </p:blipFill>
-        <p:spPr bwMode="auto">
+        <p:spPr>
           <a:xfrm>
-            <a:off x="1000125" y="2329656"/>
-            <a:ext cx="7143750" cy="3600450"/>
+            <a:off x="611560" y="1952496"/>
+            <a:ext cx="7858168" cy="4372104"/>
           </a:xfrm>
           <a:prstGeom prst="rect">
             <a:avLst/>
           </a:prstGeom>
-          <a:noFill/>
-          <a:ln>
-            <a:noFill/>
-          </a:ln>
-          <a:extLst>
-            <a:ext uri="{909E8E84-426E-40DD-AFC4-6F175D3DCCD1}">
-              <a14:hiddenFill xmlns:a14="http://schemas.microsoft.com/office/drawing/2010/main">
-                <a:solidFill>
-                  <a:schemeClr val="accent1"/>
-                </a:solidFill>
-              </a14:hiddenFill>
-            </a:ext>
-            <a:ext uri="{91240B29-F687-4F45-9708-019B960494DF}">
-              <a14:hiddenLine xmlns:a14="http://schemas.microsoft.com/office/drawing/2010/main" w="9525">
-                <a:solidFill>
-                  <a:schemeClr val="tx1"/>
-                </a:solidFill>
-                <a:miter lim="800000"/>
-                <a:headEnd/>
-                <a:tailEnd/>
-              </a14:hiddenLine>
-            </a:ext>
-          </a:extLst>
         </p:spPr>
       </p:pic>
     </p:spTree>

--- a/Aula03.pptx
+++ b/Aula03.pptx
@@ -315,7 +315,7 @@
           <a:p>
             <a:fld id="{2E700DB3-DBF0-4086-B675-117E7A9610B8}" type="datetimeFigureOut">
               <a:rPr lang="pt-BR" smtClean="0"/>
-              <a:t>23/11/2018</a:t>
+              <a:t>29/11/2018</a:t>
             </a:fld>
             <a:endParaRPr lang="pt-BR"/>
           </a:p>
@@ -480,7 +480,7 @@
           <a:p>
             <a:fld id="{2E700DB3-DBF0-4086-B675-117E7A9610B8}" type="datetimeFigureOut">
               <a:rPr lang="pt-BR" smtClean="0"/>
-              <a:t>23/11/2018</a:t>
+              <a:t>29/11/2018</a:t>
             </a:fld>
             <a:endParaRPr lang="pt-BR"/>
           </a:p>
@@ -655,7 +655,7 @@
           <a:p>
             <a:fld id="{2E700DB3-DBF0-4086-B675-117E7A9610B8}" type="datetimeFigureOut">
               <a:rPr lang="pt-BR" smtClean="0"/>
-              <a:t>23/11/2018</a:t>
+              <a:t>29/11/2018</a:t>
             </a:fld>
             <a:endParaRPr lang="pt-BR"/>
           </a:p>
@@ -820,7 +820,7 @@
           <a:p>
             <a:fld id="{2E700DB3-DBF0-4086-B675-117E7A9610B8}" type="datetimeFigureOut">
               <a:rPr lang="pt-BR" smtClean="0"/>
-              <a:t>23/11/2018</a:t>
+              <a:t>29/11/2018</a:t>
             </a:fld>
             <a:endParaRPr lang="pt-BR"/>
           </a:p>
@@ -1062,7 +1062,7 @@
           <a:p>
             <a:fld id="{2E700DB3-DBF0-4086-B675-117E7A9610B8}" type="datetimeFigureOut">
               <a:rPr lang="pt-BR" smtClean="0"/>
-              <a:t>23/11/2018</a:t>
+              <a:t>29/11/2018</a:t>
             </a:fld>
             <a:endParaRPr lang="pt-BR"/>
           </a:p>
@@ -1326,7 +1326,7 @@
           <a:p>
             <a:fld id="{2E700DB3-DBF0-4086-B675-117E7A9610B8}" type="datetimeFigureOut">
               <a:rPr lang="pt-BR" smtClean="0"/>
-              <a:t>23/11/2018</a:t>
+              <a:t>29/11/2018</a:t>
             </a:fld>
             <a:endParaRPr lang="pt-BR"/>
           </a:p>
@@ -1704,7 +1704,7 @@
           <a:p>
             <a:fld id="{2E700DB3-DBF0-4086-B675-117E7A9610B8}" type="datetimeFigureOut">
               <a:rPr lang="pt-BR" smtClean="0"/>
-              <a:t>23/11/2018</a:t>
+              <a:t>29/11/2018</a:t>
             </a:fld>
             <a:endParaRPr lang="pt-BR"/>
           </a:p>
@@ -1854,7 +1854,7 @@
           <a:p>
             <a:fld id="{2E700DB3-DBF0-4086-B675-117E7A9610B8}" type="datetimeFigureOut">
               <a:rPr lang="pt-BR" smtClean="0"/>
-              <a:t>23/11/2018</a:t>
+              <a:t>29/11/2018</a:t>
             </a:fld>
             <a:endParaRPr lang="pt-BR"/>
           </a:p>
@@ -1944,7 +1944,7 @@
           <a:p>
             <a:fld id="{2E700DB3-DBF0-4086-B675-117E7A9610B8}" type="datetimeFigureOut">
               <a:rPr lang="pt-BR" smtClean="0"/>
-              <a:t>23/11/2018</a:t>
+              <a:t>29/11/2018</a:t>
             </a:fld>
             <a:endParaRPr lang="pt-BR"/>
           </a:p>
@@ -2205,7 +2205,7 @@
           <a:p>
             <a:fld id="{2E700DB3-DBF0-4086-B675-117E7A9610B8}" type="datetimeFigureOut">
               <a:rPr lang="pt-BR" smtClean="0"/>
-              <a:t>23/11/2018</a:t>
+              <a:t>29/11/2018</a:t>
             </a:fld>
             <a:endParaRPr lang="pt-BR"/>
           </a:p>
@@ -2493,7 +2493,7 @@
           <a:p>
             <a:fld id="{2E700DB3-DBF0-4086-B675-117E7A9610B8}" type="datetimeFigureOut">
               <a:rPr lang="pt-BR" smtClean="0"/>
-              <a:t>23/11/2018</a:t>
+              <a:t>29/11/2018</a:t>
             </a:fld>
             <a:endParaRPr lang="pt-BR"/>
           </a:p>
@@ -3264,7 +3264,7 @@
           <a:p>
             <a:fld id="{2E700DB3-DBF0-4086-B675-117E7A9610B8}" type="datetimeFigureOut">
               <a:rPr lang="pt-BR" smtClean="0"/>
-              <a:t>23/11/2018</a:t>
+              <a:t>29/11/2018</a:t>
             </a:fld>
             <a:endParaRPr lang="pt-BR"/>
           </a:p>
